--- a/note/SSH-Hubbard-Note5.pptx
+++ b/note/SSH-Hubbard-Note5.pptx
@@ -20,6 +20,9 @@
     <p:sldId id="269" r:id="rId14"/>
     <p:sldId id="270" r:id="rId15"/>
     <p:sldId id="271" r:id="rId16"/>
+    <p:sldId id="256" r:id="rId17"/>
+    <p:sldId id="272" r:id="rId18"/>
+    <p:sldId id="273" r:id="rId19"/>
   </p:sldIdLst>
   <p:sldSz cx="12192000" cy="6858000"/>
   <p:notesSz cx="6858000" cy="9144000"/>
@@ -273,7 +276,7 @@
           <a:p>
             <a:fld id="{2F9959EC-BC55-9743-A3A1-7157B83C0479}" type="datetimeFigureOut">
               <a:rPr kumimoji="1" lang="zh-CN" altLang="en-US" smtClean="0"/>
-              <a:t>2021/8/6</a:t>
+              <a:t>2021/8/9</a:t>
             </a:fld>
             <a:endParaRPr kumimoji="1" lang="zh-CN" altLang="en-US"/>
           </a:p>
@@ -471,7 +474,7 @@
           <a:p>
             <a:fld id="{2F9959EC-BC55-9743-A3A1-7157B83C0479}" type="datetimeFigureOut">
               <a:rPr kumimoji="1" lang="zh-CN" altLang="en-US" smtClean="0"/>
-              <a:t>2021/8/6</a:t>
+              <a:t>2021/8/9</a:t>
             </a:fld>
             <a:endParaRPr kumimoji="1" lang="zh-CN" altLang="en-US"/>
           </a:p>
@@ -679,7 +682,7 @@
           <a:p>
             <a:fld id="{2F9959EC-BC55-9743-A3A1-7157B83C0479}" type="datetimeFigureOut">
               <a:rPr kumimoji="1" lang="zh-CN" altLang="en-US" smtClean="0"/>
-              <a:t>2021/8/6</a:t>
+              <a:t>2021/8/9</a:t>
             </a:fld>
             <a:endParaRPr kumimoji="1" lang="zh-CN" altLang="en-US"/>
           </a:p>
@@ -877,7 +880,7 @@
           <a:p>
             <a:fld id="{2F9959EC-BC55-9743-A3A1-7157B83C0479}" type="datetimeFigureOut">
               <a:rPr kumimoji="1" lang="zh-CN" altLang="en-US" smtClean="0"/>
-              <a:t>2021/8/6</a:t>
+              <a:t>2021/8/9</a:t>
             </a:fld>
             <a:endParaRPr kumimoji="1" lang="zh-CN" altLang="en-US"/>
           </a:p>
@@ -1152,7 +1155,7 @@
           <a:p>
             <a:fld id="{2F9959EC-BC55-9743-A3A1-7157B83C0479}" type="datetimeFigureOut">
               <a:rPr kumimoji="1" lang="zh-CN" altLang="en-US" smtClean="0"/>
-              <a:t>2021/8/6</a:t>
+              <a:t>2021/8/9</a:t>
             </a:fld>
             <a:endParaRPr kumimoji="1" lang="zh-CN" altLang="en-US"/>
           </a:p>
@@ -1417,7 +1420,7 @@
           <a:p>
             <a:fld id="{2F9959EC-BC55-9743-A3A1-7157B83C0479}" type="datetimeFigureOut">
               <a:rPr kumimoji="1" lang="zh-CN" altLang="en-US" smtClean="0"/>
-              <a:t>2021/8/6</a:t>
+              <a:t>2021/8/9</a:t>
             </a:fld>
             <a:endParaRPr kumimoji="1" lang="zh-CN" altLang="en-US"/>
           </a:p>
@@ -1829,7 +1832,7 @@
           <a:p>
             <a:fld id="{2F9959EC-BC55-9743-A3A1-7157B83C0479}" type="datetimeFigureOut">
               <a:rPr kumimoji="1" lang="zh-CN" altLang="en-US" smtClean="0"/>
-              <a:t>2021/8/6</a:t>
+              <a:t>2021/8/9</a:t>
             </a:fld>
             <a:endParaRPr kumimoji="1" lang="zh-CN" altLang="en-US"/>
           </a:p>
@@ -1970,7 +1973,7 @@
           <a:p>
             <a:fld id="{2F9959EC-BC55-9743-A3A1-7157B83C0479}" type="datetimeFigureOut">
               <a:rPr kumimoji="1" lang="zh-CN" altLang="en-US" smtClean="0"/>
-              <a:t>2021/8/6</a:t>
+              <a:t>2021/8/9</a:t>
             </a:fld>
             <a:endParaRPr kumimoji="1" lang="zh-CN" altLang="en-US"/>
           </a:p>
@@ -2083,7 +2086,7 @@
           <a:p>
             <a:fld id="{2F9959EC-BC55-9743-A3A1-7157B83C0479}" type="datetimeFigureOut">
               <a:rPr kumimoji="1" lang="zh-CN" altLang="en-US" smtClean="0"/>
-              <a:t>2021/8/6</a:t>
+              <a:t>2021/8/9</a:t>
             </a:fld>
             <a:endParaRPr kumimoji="1" lang="zh-CN" altLang="en-US"/>
           </a:p>
@@ -2394,7 +2397,7 @@
           <a:p>
             <a:fld id="{2F9959EC-BC55-9743-A3A1-7157B83C0479}" type="datetimeFigureOut">
               <a:rPr kumimoji="1" lang="zh-CN" altLang="en-US" smtClean="0"/>
-              <a:t>2021/8/6</a:t>
+              <a:t>2021/8/9</a:t>
             </a:fld>
             <a:endParaRPr kumimoji="1" lang="zh-CN" altLang="en-US"/>
           </a:p>
@@ -2682,7 +2685,7 @@
           <a:p>
             <a:fld id="{2F9959EC-BC55-9743-A3A1-7157B83C0479}" type="datetimeFigureOut">
               <a:rPr kumimoji="1" lang="zh-CN" altLang="en-US" smtClean="0"/>
-              <a:t>2021/8/6</a:t>
+              <a:t>2021/8/9</a:t>
             </a:fld>
             <a:endParaRPr kumimoji="1" lang="zh-CN" altLang="en-US"/>
           </a:p>
@@ -2923,7 +2926,7 @@
           <a:p>
             <a:fld id="{2F9959EC-BC55-9743-A3A1-7157B83C0479}" type="datetimeFigureOut">
               <a:rPr kumimoji="1" lang="zh-CN" altLang="en-US" smtClean="0"/>
-              <a:t>2021/8/6</a:t>
+              <a:t>2021/8/9</a:t>
             </a:fld>
             <a:endParaRPr kumimoji="1" lang="zh-CN" altLang="en-US"/>
           </a:p>
@@ -5467,36 +5470,6 @@
           <a:chExt cx="0" cy="0"/>
         </a:xfrm>
       </p:grpSpPr>
-      <p:pic>
-        <p:nvPicPr>
-          <p:cNvPr id="4" name="图片 3">
-            <a:extLst>
-              <a:ext uri="{FF2B5EF4-FFF2-40B4-BE49-F238E27FC236}">
-                <a16:creationId xmlns:a16="http://schemas.microsoft.com/office/drawing/2014/main" id="{C8589E83-F38E-1D4D-BA86-C7985D437503}"/>
-              </a:ext>
-            </a:extLst>
-          </p:cNvPr>
-          <p:cNvPicPr>
-            <a:picLocks noChangeAspect="1"/>
-          </p:cNvPicPr>
-          <p:nvPr/>
-        </p:nvPicPr>
-        <p:blipFill>
-          <a:blip r:embed="rId2"/>
-          <a:stretch>
-            <a:fillRect/>
-          </a:stretch>
-        </p:blipFill>
-        <p:spPr>
-          <a:xfrm>
-            <a:off x="206829" y="1234621"/>
-            <a:ext cx="5889171" cy="4347781"/>
-          </a:xfrm>
-          <a:prstGeom prst="rect">
-            <a:avLst/>
-          </a:prstGeom>
-        </p:spPr>
-      </p:pic>
       <mc:AlternateContent xmlns:mc="http://schemas.openxmlformats.org/markup-compatibility/2006" xmlns:a14="http://schemas.microsoft.com/office/drawing/2010/main">
         <mc:Choice Requires="a14">
           <p:sp>
@@ -5618,7 +5591,7 @@
         </p:nvSpPr>
         <p:spPr>
           <a:xfrm>
-            <a:off x="1197428" y="5771993"/>
+            <a:off x="1349828" y="5902059"/>
             <a:ext cx="3189514" cy="369332"/>
           </a:xfrm>
           <a:prstGeom prst="rect">
@@ -5637,7 +5610,7 @@
                 <a:latin typeface="Times New Roman" panose="02020603050405020304" pitchFamily="18" charset="0"/>
                 <a:cs typeface="Times New Roman" panose="02020603050405020304" pitchFamily="18" charset="0"/>
               </a:rPr>
-              <a:t>Algorithm: single-site update</a:t>
+              <a:t>Algorithm: two-site update</a:t>
             </a:r>
             <a:endParaRPr kumimoji="1" lang="zh-CN" altLang="en-US" dirty="0">
               <a:latin typeface="Times New Roman" panose="02020603050405020304" pitchFamily="18" charset="0"/>
@@ -5646,6 +5619,36 @@
           </a:p>
         </p:txBody>
       </p:sp>
+      <p:pic>
+        <p:nvPicPr>
+          <p:cNvPr id="2" name="图片 1">
+            <a:extLst>
+              <a:ext uri="{FF2B5EF4-FFF2-40B4-BE49-F238E27FC236}">
+                <a16:creationId xmlns:a16="http://schemas.microsoft.com/office/drawing/2014/main" id="{589ABCD5-95ED-3A47-9A8B-3CFCF87CC061}"/>
+              </a:ext>
+            </a:extLst>
+          </p:cNvPr>
+          <p:cNvPicPr>
+            <a:picLocks noChangeAspect="1"/>
+          </p:cNvPicPr>
+          <p:nvPr/>
+        </p:nvPicPr>
+        <p:blipFill>
+          <a:blip r:embed="rId4"/>
+          <a:stretch>
+            <a:fillRect/>
+          </a:stretch>
+        </p:blipFill>
+        <p:spPr>
+          <a:xfrm>
+            <a:off x="194645" y="1571511"/>
+            <a:ext cx="6401089" cy="4200482"/>
+          </a:xfrm>
+          <a:prstGeom prst="rect">
+            <a:avLst/>
+          </a:prstGeom>
+        </p:spPr>
+      </p:pic>
       <mc:AlternateContent xmlns:mc="http://schemas.openxmlformats.org/markup-compatibility/2006" xmlns:a14="http://schemas.microsoft.com/office/drawing/2010/main">
         <mc:Choice Requires="a14">
           <p:sp>
@@ -5662,7 +5665,7 @@
             </p:nvSpPr>
             <p:spPr>
               <a:xfrm>
-                <a:off x="2351314" y="1984214"/>
+                <a:off x="1981199" y="1886243"/>
                 <a:ext cx="1043876" cy="276999"/>
               </a:xfrm>
               <a:prstGeom prst="rect">
@@ -5701,7 +5704,7 @@
                           <a:latin typeface="Cambria Math" panose="02040503050406030204" pitchFamily="18" charset="0"/>
                           <a:ea typeface="Cambria Math" panose="02040503050406030204" pitchFamily="18" charset="0"/>
                         </a:rPr>
-                        <m:t>6000</m:t>
+                        <m:t>9000</m:t>
                       </m:r>
                     </m:oMath>
                   </m:oMathPara>
@@ -5728,16 +5731,16 @@
             </p:nvSpPr>
             <p:spPr>
               <a:xfrm>
-                <a:off x="2351314" y="1984214"/>
+                <a:off x="1981199" y="1886243"/>
                 <a:ext cx="1043876" cy="276999"/>
               </a:xfrm>
               <a:prstGeom prst="rect">
                 <a:avLst/>
               </a:prstGeom>
               <a:blipFill>
-                <a:blip r:embed="rId4"/>
+                <a:blip r:embed="rId5"/>
                 <a:stretch>
-                  <a:fillRect l="-4819" r="-3614" b="-8696"/>
+                  <a:fillRect l="-4819" r="-3614" b="-13043"/>
                 </a:stretch>
               </a:blipFill>
             </p:spPr>
@@ -7151,6 +7154,2249 @@
 </p:sld>
 </file>
 
+<file path=ppt/slides/slide16.xml><?xml version="1.0" encoding="utf-8"?>
+<p:sld xmlns:a="http://schemas.openxmlformats.org/drawingml/2006/main" xmlns:r="http://schemas.openxmlformats.org/officeDocument/2006/relationships" xmlns:p="http://schemas.openxmlformats.org/presentationml/2006/main">
+  <p:cSld>
+    <p:spTree>
+      <p:nvGrpSpPr>
+        <p:cNvPr id="1" name=""/>
+        <p:cNvGrpSpPr/>
+        <p:nvPr/>
+      </p:nvGrpSpPr>
+      <p:grpSpPr>
+        <a:xfrm>
+          <a:off x="0" y="0"/>
+          <a:ext cx="0" cy="0"/>
+          <a:chOff x="0" y="0"/>
+          <a:chExt cx="0" cy="0"/>
+        </a:xfrm>
+      </p:grpSpPr>
+      <p:sp>
+        <p:nvSpPr>
+          <p:cNvPr id="4" name="Title 1">
+            <a:extLst>
+              <a:ext uri="{FF2B5EF4-FFF2-40B4-BE49-F238E27FC236}">
+                <a16:creationId xmlns:a16="http://schemas.microsoft.com/office/drawing/2014/main" id="{2E2CA7AD-A346-3F41-9A56-D6D0E3D199E5}"/>
+              </a:ext>
+            </a:extLst>
+          </p:cNvPr>
+          <p:cNvSpPr>
+            <a:spLocks noGrp="1"/>
+          </p:cNvSpPr>
+          <p:nvPr>
+            <p:ph type="ctrTitle"/>
+          </p:nvPr>
+        </p:nvSpPr>
+        <p:spPr/>
+        <p:txBody>
+          <a:bodyPr/>
+          <a:lstStyle/>
+          <a:p>
+            <a:r>
+              <a:rPr lang="en-US" dirty="0">
+                <a:latin typeface="Times New Roman" panose="02020603050405020304" pitchFamily="18" charset="0"/>
+                <a:cs typeface="Times New Roman" panose="02020603050405020304" pitchFamily="18" charset="0"/>
+              </a:rPr>
+              <a:t>Holstein</a:t>
+            </a:r>
+            <a:r>
+              <a:rPr lang="en-CN">
+                <a:latin typeface="Times New Roman" panose="02020603050405020304" pitchFamily="18" charset="0"/>
+                <a:cs typeface="Times New Roman" panose="02020603050405020304" pitchFamily="18" charset="0"/>
+              </a:rPr>
+              <a:t>-Hubbard </a:t>
+            </a:r>
+            <a:r>
+              <a:rPr lang="en-CN" dirty="0">
+                <a:latin typeface="Times New Roman" panose="02020603050405020304" pitchFamily="18" charset="0"/>
+                <a:cs typeface="Times New Roman" panose="02020603050405020304" pitchFamily="18" charset="0"/>
+              </a:rPr>
+              <a:t>model</a:t>
+            </a:r>
+          </a:p>
+        </p:txBody>
+      </p:sp>
+      <mc:AlternateContent xmlns:mc="http://schemas.openxmlformats.org/markup-compatibility/2006" xmlns:a14="http://schemas.microsoft.com/office/drawing/2010/main">
+        <mc:Choice Requires="a14">
+          <p:sp>
+            <p:nvSpPr>
+              <p:cNvPr id="5" name="Rectangle 3">
+                <a:extLst>
+                  <a:ext uri="{FF2B5EF4-FFF2-40B4-BE49-F238E27FC236}">
+                    <a16:creationId xmlns:a16="http://schemas.microsoft.com/office/drawing/2014/main" id="{C546CD20-BA64-2A4D-9F5D-1FCA6E7782D3}"/>
+                  </a:ext>
+                </a:extLst>
+              </p:cNvPr>
+              <p:cNvSpPr/>
+              <p:nvPr/>
+            </p:nvSpPr>
+            <p:spPr>
+              <a:xfrm>
+                <a:off x="1566854" y="3622052"/>
+                <a:ext cx="9101146" cy="927049"/>
+              </a:xfrm>
+              <a:prstGeom prst="rect">
+                <a:avLst/>
+              </a:prstGeom>
+            </p:spPr>
+            <p:txBody>
+              <a:bodyPr wrap="none">
+                <a:spAutoFit/>
+              </a:bodyPr>
+              <a:lstStyle/>
+              <a:p>
+                <a:pPr/>
+                <a14:m>
+                  <m:oMathPara xmlns:m="http://schemas.openxmlformats.org/officeDocument/2006/math">
+                    <m:oMathParaPr>
+                      <m:jc m:val="centerGroup"/>
+                    </m:oMathParaPr>
+                    <m:oMath xmlns:m="http://schemas.openxmlformats.org/officeDocument/2006/math">
+                      <m:r>
+                        <a:rPr lang="en-US" b="0" i="1" smtClean="0">
+                          <a:latin typeface="Cambria Math" panose="02040503050406030204" pitchFamily="18" charset="0"/>
+                        </a:rPr>
+                        <m:t>𝐻</m:t>
+                      </m:r>
+                      <m:r>
+                        <a:rPr lang="en-US" b="0" i="1" smtClean="0">
+                          <a:latin typeface="Cambria Math" panose="02040503050406030204" pitchFamily="18" charset="0"/>
+                        </a:rPr>
+                        <m:t>=−</m:t>
+                      </m:r>
+                      <m:r>
+                        <a:rPr lang="en-US" b="0" i="1" smtClean="0">
+                          <a:latin typeface="Cambria Math" panose="02040503050406030204" pitchFamily="18" charset="0"/>
+                        </a:rPr>
+                        <m:t>𝑡</m:t>
+                      </m:r>
+                      <m:nary>
+                        <m:naryPr>
+                          <m:chr m:val="∑"/>
+                          <m:ctrlPr>
+                            <a:rPr lang="en-US" b="0" i="1" smtClean="0">
+                              <a:latin typeface="Cambria Math" panose="02040503050406030204" pitchFamily="18" charset="0"/>
+                            </a:rPr>
+                          </m:ctrlPr>
+                        </m:naryPr>
+                        <m:sub>
+                          <m:d>
+                            <m:dPr>
+                              <m:begChr m:val="⟨"/>
+                              <m:endChr m:val="⟩"/>
+                              <m:ctrlPr>
+                                <a:rPr lang="en-US" b="0" i="1" smtClean="0">
+                                  <a:latin typeface="Cambria Math" panose="02040503050406030204" pitchFamily="18" charset="0"/>
+                                </a:rPr>
+                              </m:ctrlPr>
+                            </m:dPr>
+                            <m:e>
+                              <m:r>
+                                <a:rPr lang="en-US" b="0" i="1" smtClean="0">
+                                  <a:latin typeface="Cambria Math" panose="02040503050406030204" pitchFamily="18" charset="0"/>
+                                </a:rPr>
+                                <m:t>𝑖</m:t>
+                              </m:r>
+                              <m:r>
+                                <a:rPr lang="en-US" b="0" i="1" smtClean="0">
+                                  <a:latin typeface="Cambria Math" panose="02040503050406030204" pitchFamily="18" charset="0"/>
+                                </a:rPr>
+                                <m:t>,</m:t>
+                              </m:r>
+                              <m:r>
+                                <a:rPr lang="en-US" b="0" i="1" smtClean="0">
+                                  <a:latin typeface="Cambria Math" panose="02040503050406030204" pitchFamily="18" charset="0"/>
+                                </a:rPr>
+                                <m:t>𝑗</m:t>
+                              </m:r>
+                            </m:e>
+                          </m:d>
+                          <m:r>
+                            <a:rPr lang="en-US" b="0" i="1" smtClean="0">
+                              <a:latin typeface="Cambria Math" panose="02040503050406030204" pitchFamily="18" charset="0"/>
+                            </a:rPr>
+                            <m:t>,</m:t>
+                          </m:r>
+                          <m:r>
+                            <a:rPr lang="en-US" b="0" i="1" smtClean="0">
+                              <a:latin typeface="Cambria Math" panose="02040503050406030204" pitchFamily="18" charset="0"/>
+                            </a:rPr>
+                            <m:t>𝜎</m:t>
+                          </m:r>
+                        </m:sub>
+                        <m:sup/>
+                        <m:e>
+                          <m:d>
+                            <m:dPr>
+                              <m:ctrlPr>
+                                <a:rPr lang="en-US" b="0" i="1" smtClean="0">
+                                  <a:latin typeface="Cambria Math" panose="02040503050406030204" pitchFamily="18" charset="0"/>
+                                </a:rPr>
+                              </m:ctrlPr>
+                            </m:dPr>
+                            <m:e>
+                              <m:sSubSup>
+                                <m:sSubSupPr>
+                                  <m:ctrlPr>
+                                    <a:rPr lang="en-US" b="0" i="1" smtClean="0">
+                                      <a:latin typeface="Cambria Math" panose="02040503050406030204" pitchFamily="18" charset="0"/>
+                                    </a:rPr>
+                                  </m:ctrlPr>
+                                </m:sSubSupPr>
+                                <m:e>
+                                  <m:r>
+                                    <a:rPr lang="en-US" b="0" i="1" smtClean="0">
+                                      <a:latin typeface="Cambria Math" panose="02040503050406030204" pitchFamily="18" charset="0"/>
+                                    </a:rPr>
+                                    <m:t>𝑐</m:t>
+                                  </m:r>
+                                </m:e>
+                                <m:sub>
+                                  <m:r>
+                                    <a:rPr lang="en-US" b="0" i="1" smtClean="0">
+                                      <a:latin typeface="Cambria Math" panose="02040503050406030204" pitchFamily="18" charset="0"/>
+                                    </a:rPr>
+                                    <m:t>𝑖</m:t>
+                                  </m:r>
+                                  <m:r>
+                                    <a:rPr lang="en-US" b="0" i="1" smtClean="0">
+                                      <a:latin typeface="Cambria Math" panose="02040503050406030204" pitchFamily="18" charset="0"/>
+                                    </a:rPr>
+                                    <m:t>𝜎</m:t>
+                                  </m:r>
+                                </m:sub>
+                                <m:sup>
+                                  <m:r>
+                                    <a:rPr lang="en-US" i="1">
+                                      <a:latin typeface="Cambria Math" panose="02040503050406030204" pitchFamily="18" charset="0"/>
+                                    </a:rPr>
+                                    <m:t>†</m:t>
+                                  </m:r>
+                                </m:sup>
+                              </m:sSubSup>
+                              <m:sSub>
+                                <m:sSubPr>
+                                  <m:ctrlPr>
+                                    <a:rPr lang="en-US" b="0" i="1" smtClean="0">
+                                      <a:latin typeface="Cambria Math" panose="02040503050406030204" pitchFamily="18" charset="0"/>
+                                    </a:rPr>
+                                  </m:ctrlPr>
+                                </m:sSubPr>
+                                <m:e>
+                                  <m:r>
+                                    <a:rPr lang="en-US" b="0" i="1" smtClean="0">
+                                      <a:latin typeface="Cambria Math" panose="02040503050406030204" pitchFamily="18" charset="0"/>
+                                    </a:rPr>
+                                    <m:t>𝑐</m:t>
+                                  </m:r>
+                                </m:e>
+                                <m:sub>
+                                  <m:r>
+                                    <a:rPr lang="en-US" b="0" i="1" smtClean="0">
+                                      <a:latin typeface="Cambria Math" panose="02040503050406030204" pitchFamily="18" charset="0"/>
+                                    </a:rPr>
+                                    <m:t>𝑗</m:t>
+                                  </m:r>
+                                  <m:r>
+                                    <a:rPr lang="en-US" b="0" i="1" smtClean="0">
+                                      <a:latin typeface="Cambria Math" panose="02040503050406030204" pitchFamily="18" charset="0"/>
+                                    </a:rPr>
+                                    <m:t>𝜎</m:t>
+                                  </m:r>
+                                </m:sub>
+                              </m:sSub>
+                              <m:r>
+                                <a:rPr lang="en-US" b="0" i="1" smtClean="0">
+                                  <a:latin typeface="Cambria Math" panose="02040503050406030204" pitchFamily="18" charset="0"/>
+                                </a:rPr>
+                                <m:t>+</m:t>
+                              </m:r>
+                              <m:r>
+                                <a:rPr lang="en-US" b="0" i="1" smtClean="0">
+                                  <a:latin typeface="Cambria Math" panose="02040503050406030204" pitchFamily="18" charset="0"/>
+                                </a:rPr>
+                                <m:t>h</m:t>
+                              </m:r>
+                              <m:r>
+                                <a:rPr lang="en-US" b="0" i="1" smtClean="0">
+                                  <a:latin typeface="Cambria Math" panose="02040503050406030204" pitchFamily="18" charset="0"/>
+                                </a:rPr>
+                                <m:t>.</m:t>
+                              </m:r>
+                              <m:r>
+                                <a:rPr lang="en-US" b="0" i="1" smtClean="0">
+                                  <a:latin typeface="Cambria Math" panose="02040503050406030204" pitchFamily="18" charset="0"/>
+                                </a:rPr>
+                                <m:t>𝑐</m:t>
+                              </m:r>
+                              <m:r>
+                                <a:rPr lang="en-US" b="0" i="1" smtClean="0">
+                                  <a:latin typeface="Cambria Math" panose="02040503050406030204" pitchFamily="18" charset="0"/>
+                                </a:rPr>
+                                <m:t>.</m:t>
+                              </m:r>
+                            </m:e>
+                          </m:d>
+                        </m:e>
+                      </m:nary>
+                      <m:r>
+                        <a:rPr lang="en-US" b="0" i="1" smtClean="0">
+                          <a:latin typeface="Cambria Math" panose="02040503050406030204" pitchFamily="18" charset="0"/>
+                        </a:rPr>
+                        <m:t>+</m:t>
+                      </m:r>
+                      <m:r>
+                        <a:rPr lang="en-US" b="0" i="1" smtClean="0">
+                          <a:latin typeface="Cambria Math" panose="02040503050406030204" pitchFamily="18" charset="0"/>
+                        </a:rPr>
+                        <m:t>𝑈</m:t>
+                      </m:r>
+                      <m:nary>
+                        <m:naryPr>
+                          <m:chr m:val="∑"/>
+                          <m:ctrlPr>
+                            <a:rPr lang="en-US" b="0" i="1" smtClean="0">
+                              <a:latin typeface="Cambria Math" panose="02040503050406030204" pitchFamily="18" charset="0"/>
+                            </a:rPr>
+                          </m:ctrlPr>
+                        </m:naryPr>
+                        <m:sub>
+                          <m:r>
+                            <m:rPr>
+                              <m:brk m:alnAt="23"/>
+                            </m:rPr>
+                            <a:rPr lang="en-US" b="0" i="1" smtClean="0">
+                              <a:latin typeface="Cambria Math" panose="02040503050406030204" pitchFamily="18" charset="0"/>
+                            </a:rPr>
+                            <m:t>𝑖</m:t>
+                          </m:r>
+                        </m:sub>
+                        <m:sup/>
+                        <m:e>
+                          <m:sSub>
+                            <m:sSubPr>
+                              <m:ctrlPr>
+                                <a:rPr lang="en-US" b="0" i="1" smtClean="0">
+                                  <a:latin typeface="Cambria Math" panose="02040503050406030204" pitchFamily="18" charset="0"/>
+                                </a:rPr>
+                              </m:ctrlPr>
+                            </m:sSubPr>
+                            <m:e>
+                              <m:r>
+                                <a:rPr lang="en-US" b="0" i="1" smtClean="0">
+                                  <a:latin typeface="Cambria Math" panose="02040503050406030204" pitchFamily="18" charset="0"/>
+                                </a:rPr>
+                                <m:t>𝑛</m:t>
+                              </m:r>
+                            </m:e>
+                            <m:sub>
+                              <m:r>
+                                <a:rPr lang="en-US" b="0" i="1" smtClean="0">
+                                  <a:latin typeface="Cambria Math" panose="02040503050406030204" pitchFamily="18" charset="0"/>
+                                </a:rPr>
+                                <m:t>𝑖</m:t>
+                              </m:r>
+                              <m:r>
+                                <a:rPr lang="en-US" b="0" i="1" smtClean="0">
+                                  <a:latin typeface="Cambria Math" panose="02040503050406030204" pitchFamily="18" charset="0"/>
+                                  <a:ea typeface="Cambria Math" panose="02040503050406030204" pitchFamily="18" charset="0"/>
+                                </a:rPr>
+                                <m:t>↑</m:t>
+                              </m:r>
+                            </m:sub>
+                          </m:sSub>
+                          <m:sSub>
+                            <m:sSubPr>
+                              <m:ctrlPr>
+                                <a:rPr lang="en-US" b="0" i="1" smtClean="0">
+                                  <a:latin typeface="Cambria Math" panose="02040503050406030204" pitchFamily="18" charset="0"/>
+                                </a:rPr>
+                              </m:ctrlPr>
+                            </m:sSubPr>
+                            <m:e>
+                              <m:r>
+                                <a:rPr lang="en-US" b="0" i="1" smtClean="0">
+                                  <a:latin typeface="Cambria Math" panose="02040503050406030204" pitchFamily="18" charset="0"/>
+                                </a:rPr>
+                                <m:t>𝑛</m:t>
+                              </m:r>
+                            </m:e>
+                            <m:sub>
+                              <m:r>
+                                <a:rPr lang="en-US" b="0" i="1" smtClean="0">
+                                  <a:latin typeface="Cambria Math" panose="02040503050406030204" pitchFamily="18" charset="0"/>
+                                </a:rPr>
+                                <m:t>𝑖</m:t>
+                              </m:r>
+                              <m:r>
+                                <a:rPr lang="en-US" i="1">
+                                  <a:latin typeface="Cambria Math" panose="02040503050406030204" pitchFamily="18" charset="0"/>
+                                  <a:ea typeface="Cambria Math" panose="02040503050406030204" pitchFamily="18" charset="0"/>
+                                </a:rPr>
+                                <m:t>↓</m:t>
+                              </m:r>
+                            </m:sub>
+                          </m:sSub>
+                        </m:e>
+                      </m:nary>
+                      <m:r>
+                        <a:rPr lang="en-US" b="0" i="1" smtClean="0">
+                          <a:latin typeface="Cambria Math" panose="02040503050406030204" pitchFamily="18" charset="0"/>
+                        </a:rPr>
+                        <m:t>+ℏ</m:t>
+                      </m:r>
+                      <m:r>
+                        <a:rPr lang="en-US" b="0" i="1" smtClean="0">
+                          <a:latin typeface="Cambria Math" panose="02040503050406030204" pitchFamily="18" charset="0"/>
+                        </a:rPr>
+                        <m:t>𝜔</m:t>
+                      </m:r>
+                      <m:nary>
+                        <m:naryPr>
+                          <m:chr m:val="∑"/>
+                          <m:ctrlPr>
+                            <a:rPr lang="en-US" b="0" i="1" smtClean="0">
+                              <a:latin typeface="Cambria Math" panose="02040503050406030204" pitchFamily="18" charset="0"/>
+                            </a:rPr>
+                          </m:ctrlPr>
+                        </m:naryPr>
+                        <m:sub>
+                          <m:r>
+                            <a:rPr lang="en-US" b="0" i="1" smtClean="0">
+                              <a:latin typeface="Cambria Math" panose="02040503050406030204" pitchFamily="18" charset="0"/>
+                            </a:rPr>
+                            <m:t>𝑖</m:t>
+                          </m:r>
+                        </m:sub>
+                        <m:sup/>
+                        <m:e>
+                          <m:sSubSup>
+                            <m:sSubSupPr>
+                              <m:ctrlPr>
+                                <a:rPr lang="en-US" b="0" i="1" smtClean="0">
+                                  <a:latin typeface="Cambria Math" panose="02040503050406030204" pitchFamily="18" charset="0"/>
+                                </a:rPr>
+                              </m:ctrlPr>
+                            </m:sSubSupPr>
+                            <m:e>
+                              <m:r>
+                                <a:rPr lang="en-US" b="0" i="1" smtClean="0">
+                                  <a:latin typeface="Cambria Math" panose="02040503050406030204" pitchFamily="18" charset="0"/>
+                                </a:rPr>
+                                <m:t>𝑏</m:t>
+                              </m:r>
+                            </m:e>
+                            <m:sub>
+                              <m:r>
+                                <a:rPr lang="en-US" b="0" i="1" smtClean="0">
+                                  <a:latin typeface="Cambria Math" panose="02040503050406030204" pitchFamily="18" charset="0"/>
+                                </a:rPr>
+                                <m:t>𝑖</m:t>
+                              </m:r>
+                            </m:sub>
+                            <m:sup>
+                              <m:r>
+                                <a:rPr lang="en-US" i="1">
+                                  <a:latin typeface="Cambria Math" panose="02040503050406030204" pitchFamily="18" charset="0"/>
+                                </a:rPr>
+                                <m:t>†</m:t>
+                              </m:r>
+                            </m:sup>
+                          </m:sSubSup>
+                          <m:sSub>
+                            <m:sSubPr>
+                              <m:ctrlPr>
+                                <a:rPr lang="en-US" b="0" i="1" smtClean="0">
+                                  <a:latin typeface="Cambria Math" panose="02040503050406030204" pitchFamily="18" charset="0"/>
+                                </a:rPr>
+                              </m:ctrlPr>
+                            </m:sSubPr>
+                            <m:e>
+                              <m:r>
+                                <a:rPr lang="en-US" b="0" i="1" smtClean="0">
+                                  <a:latin typeface="Cambria Math" panose="02040503050406030204" pitchFamily="18" charset="0"/>
+                                </a:rPr>
+                                <m:t>𝑏</m:t>
+                              </m:r>
+                            </m:e>
+                            <m:sub>
+                              <m:r>
+                                <a:rPr lang="en-US" b="0" i="1" smtClean="0">
+                                  <a:latin typeface="Cambria Math" panose="02040503050406030204" pitchFamily="18" charset="0"/>
+                                </a:rPr>
+                                <m:t>𝑖</m:t>
+                              </m:r>
+                            </m:sub>
+                          </m:sSub>
+                        </m:e>
+                      </m:nary>
+                      <m:r>
+                        <a:rPr lang="en-US" b="0" i="1" smtClean="0">
+                          <a:latin typeface="Cambria Math" panose="02040503050406030204" pitchFamily="18" charset="0"/>
+                        </a:rPr>
+                        <m:t>+</m:t>
+                      </m:r>
+                      <m:r>
+                        <a:rPr lang="en-US" b="0" i="1" smtClean="0">
+                          <a:latin typeface="Cambria Math" panose="02040503050406030204" pitchFamily="18" charset="0"/>
+                        </a:rPr>
+                        <m:t>𝑔</m:t>
+                      </m:r>
+                      <m:nary>
+                        <m:naryPr>
+                          <m:chr m:val="∑"/>
+                          <m:ctrlPr>
+                            <a:rPr lang="en-US" i="1">
+                              <a:latin typeface="Cambria Math" panose="02040503050406030204" pitchFamily="18" charset="0"/>
+                            </a:rPr>
+                          </m:ctrlPr>
+                        </m:naryPr>
+                        <m:sub>
+                          <m:r>
+                            <a:rPr lang="en-US" b="0" i="1" smtClean="0">
+                              <a:latin typeface="Cambria Math" panose="02040503050406030204" pitchFamily="18" charset="0"/>
+                            </a:rPr>
+                            <m:t>𝑖</m:t>
+                          </m:r>
+                          <m:r>
+                            <a:rPr lang="en-US" b="0" i="1" smtClean="0">
+                              <a:latin typeface="Cambria Math" panose="02040503050406030204" pitchFamily="18" charset="0"/>
+                            </a:rPr>
+                            <m:t>,</m:t>
+                          </m:r>
+                          <m:r>
+                            <a:rPr lang="en-US" b="0" i="1" smtClean="0">
+                              <a:latin typeface="Cambria Math" panose="02040503050406030204" pitchFamily="18" charset="0"/>
+                            </a:rPr>
+                            <m:t>𝜎</m:t>
+                          </m:r>
+                        </m:sub>
+                        <m:sup/>
+                        <m:e>
+                          <m:d>
+                            <m:dPr>
+                              <m:begChr m:val="["/>
+                              <m:endChr m:val="]"/>
+                              <m:ctrlPr>
+                                <a:rPr lang="en-US" b="0" i="1" smtClean="0">
+                                  <a:latin typeface="Cambria Math" panose="02040503050406030204" pitchFamily="18" charset="0"/>
+                                </a:rPr>
+                              </m:ctrlPr>
+                            </m:dPr>
+                            <m:e>
+                              <m:sSubSup>
+                                <m:sSubSupPr>
+                                  <m:ctrlPr>
+                                    <a:rPr lang="en-US" b="0" i="1" smtClean="0">
+                                      <a:latin typeface="Cambria Math" panose="02040503050406030204" pitchFamily="18" charset="0"/>
+                                    </a:rPr>
+                                  </m:ctrlPr>
+                                </m:sSubSupPr>
+                                <m:e>
+                                  <m:r>
+                                    <a:rPr lang="en-US" b="0" i="1" smtClean="0">
+                                      <a:latin typeface="Cambria Math" panose="02040503050406030204" pitchFamily="18" charset="0"/>
+                                    </a:rPr>
+                                    <m:t>𝑐</m:t>
+                                  </m:r>
+                                </m:e>
+                                <m:sub>
+                                  <m:r>
+                                    <a:rPr lang="en-US" b="0" i="1" smtClean="0">
+                                      <a:latin typeface="Cambria Math" panose="02040503050406030204" pitchFamily="18" charset="0"/>
+                                    </a:rPr>
+                                    <m:t>𝑖</m:t>
+                                  </m:r>
+                                  <m:r>
+                                    <a:rPr lang="en-US" b="0" i="1" smtClean="0">
+                                      <a:latin typeface="Cambria Math" panose="02040503050406030204" pitchFamily="18" charset="0"/>
+                                    </a:rPr>
+                                    <m:t>𝜎</m:t>
+                                  </m:r>
+                                </m:sub>
+                                <m:sup>
+                                  <m:r>
+                                    <a:rPr lang="en-US" i="1">
+                                      <a:latin typeface="Cambria Math" panose="02040503050406030204" pitchFamily="18" charset="0"/>
+                                    </a:rPr>
+                                    <m:t>†</m:t>
+                                  </m:r>
+                                </m:sup>
+                              </m:sSubSup>
+                              <m:sSub>
+                                <m:sSubPr>
+                                  <m:ctrlPr>
+                                    <a:rPr lang="en-US" b="0" i="1" smtClean="0">
+                                      <a:latin typeface="Cambria Math" panose="02040503050406030204" pitchFamily="18" charset="0"/>
+                                    </a:rPr>
+                                  </m:ctrlPr>
+                                </m:sSubPr>
+                                <m:e>
+                                  <m:r>
+                                    <a:rPr lang="en-US" b="0" i="1" smtClean="0">
+                                      <a:latin typeface="Cambria Math" panose="02040503050406030204" pitchFamily="18" charset="0"/>
+                                    </a:rPr>
+                                    <m:t>𝑐</m:t>
+                                  </m:r>
+                                </m:e>
+                                <m:sub>
+                                  <m:r>
+                                    <a:rPr lang="en-US" b="0" i="1" smtClean="0">
+                                      <a:latin typeface="Cambria Math" panose="02040503050406030204" pitchFamily="18" charset="0"/>
+                                    </a:rPr>
+                                    <m:t>𝑖</m:t>
+                                  </m:r>
+                                  <m:r>
+                                    <a:rPr lang="en-US" b="0" i="1" smtClean="0">
+                                      <a:latin typeface="Cambria Math" panose="02040503050406030204" pitchFamily="18" charset="0"/>
+                                    </a:rPr>
+                                    <m:t>𝜎</m:t>
+                                  </m:r>
+                                </m:sub>
+                              </m:sSub>
+                              <m:d>
+                                <m:dPr>
+                                  <m:ctrlPr>
+                                    <a:rPr lang="en-US" b="0" i="1" smtClean="0">
+                                      <a:latin typeface="Cambria Math" panose="02040503050406030204" pitchFamily="18" charset="0"/>
+                                    </a:rPr>
+                                  </m:ctrlPr>
+                                </m:dPr>
+                                <m:e>
+                                  <m:sSubSup>
+                                    <m:sSubSupPr>
+                                      <m:ctrlPr>
+                                        <a:rPr lang="en-US" i="1">
+                                          <a:latin typeface="Cambria Math" panose="02040503050406030204" pitchFamily="18" charset="0"/>
+                                        </a:rPr>
+                                      </m:ctrlPr>
+                                    </m:sSubSupPr>
+                                    <m:e>
+                                      <m:r>
+                                        <a:rPr lang="en-US" i="1">
+                                          <a:latin typeface="Cambria Math" panose="02040503050406030204" pitchFamily="18" charset="0"/>
+                                        </a:rPr>
+                                        <m:t>𝑏</m:t>
+                                      </m:r>
+                                    </m:e>
+                                    <m:sub>
+                                      <m:r>
+                                        <a:rPr lang="en-US" i="1">
+                                          <a:latin typeface="Cambria Math" panose="02040503050406030204" pitchFamily="18" charset="0"/>
+                                        </a:rPr>
+                                        <m:t>𝑖</m:t>
+                                      </m:r>
+                                    </m:sub>
+                                    <m:sup>
+                                      <m:r>
+                                        <a:rPr lang="en-US" i="1">
+                                          <a:latin typeface="Cambria Math" panose="02040503050406030204" pitchFamily="18" charset="0"/>
+                                        </a:rPr>
+                                        <m:t>†</m:t>
+                                      </m:r>
+                                    </m:sup>
+                                  </m:sSubSup>
+                                  <m:r>
+                                    <a:rPr lang="en-US" b="0" i="1" smtClean="0">
+                                      <a:latin typeface="Cambria Math" panose="02040503050406030204" pitchFamily="18" charset="0"/>
+                                    </a:rPr>
+                                    <m:t>+</m:t>
+                                  </m:r>
+                                  <m:sSub>
+                                    <m:sSubPr>
+                                      <m:ctrlPr>
+                                        <a:rPr lang="en-US" i="1">
+                                          <a:latin typeface="Cambria Math" panose="02040503050406030204" pitchFamily="18" charset="0"/>
+                                        </a:rPr>
+                                      </m:ctrlPr>
+                                    </m:sSubPr>
+                                    <m:e>
+                                      <m:r>
+                                        <a:rPr lang="en-US" i="1">
+                                          <a:latin typeface="Cambria Math" panose="02040503050406030204" pitchFamily="18" charset="0"/>
+                                        </a:rPr>
+                                        <m:t>𝑏</m:t>
+                                      </m:r>
+                                    </m:e>
+                                    <m:sub>
+                                      <m:r>
+                                        <a:rPr lang="en-US" i="1">
+                                          <a:latin typeface="Cambria Math" panose="02040503050406030204" pitchFamily="18" charset="0"/>
+                                        </a:rPr>
+                                        <m:t>𝑖</m:t>
+                                      </m:r>
+                                    </m:sub>
+                                  </m:sSub>
+                                </m:e>
+                              </m:d>
+                              <m:r>
+                                <a:rPr lang="en-US" b="0" i="1" smtClean="0">
+                                  <a:latin typeface="Cambria Math" panose="02040503050406030204" pitchFamily="18" charset="0"/>
+                                </a:rPr>
+                                <m:t>+</m:t>
+                              </m:r>
+                              <m:r>
+                                <a:rPr lang="en-US" b="0" i="1" smtClean="0">
+                                  <a:latin typeface="Cambria Math" panose="02040503050406030204" pitchFamily="18" charset="0"/>
+                                </a:rPr>
+                                <m:t>h</m:t>
+                              </m:r>
+                              <m:r>
+                                <a:rPr lang="en-US" b="0" i="1" smtClean="0">
+                                  <a:latin typeface="Cambria Math" panose="02040503050406030204" pitchFamily="18" charset="0"/>
+                                </a:rPr>
+                                <m:t>.</m:t>
+                              </m:r>
+                              <m:r>
+                                <a:rPr lang="en-US" b="0" i="1" smtClean="0">
+                                  <a:latin typeface="Cambria Math" panose="02040503050406030204" pitchFamily="18" charset="0"/>
+                                </a:rPr>
+                                <m:t>𝑐</m:t>
+                              </m:r>
+                              <m:r>
+                                <a:rPr lang="en-US" b="0" i="1" smtClean="0">
+                                  <a:latin typeface="Cambria Math" panose="02040503050406030204" pitchFamily="18" charset="0"/>
+                                </a:rPr>
+                                <m:t>.</m:t>
+                              </m:r>
+                            </m:e>
+                          </m:d>
+                        </m:e>
+                      </m:nary>
+                    </m:oMath>
+                  </m:oMathPara>
+                </a14:m>
+                <a:endParaRPr lang="en-CN" dirty="0"/>
+              </a:p>
+            </p:txBody>
+          </p:sp>
+        </mc:Choice>
+        <mc:Fallback xmlns="">
+          <p:sp>
+            <p:nvSpPr>
+              <p:cNvPr id="5" name="Rectangle 3">
+                <a:extLst>
+                  <a:ext uri="{FF2B5EF4-FFF2-40B4-BE49-F238E27FC236}">
+                    <a16:creationId xmlns:a16="http://schemas.microsoft.com/office/drawing/2014/main" id="{C546CD20-BA64-2A4D-9F5D-1FCA6E7782D3}"/>
+                  </a:ext>
+                </a:extLst>
+              </p:cNvPr>
+              <p:cNvSpPr>
+                <a:spLocks noRot="1" noChangeAspect="1" noMove="1" noResize="1" noEditPoints="1" noAdjustHandles="1" noChangeArrowheads="1" noChangeShapeType="1" noTextEdit="1"/>
+              </p:cNvSpPr>
+              <p:nvPr/>
+            </p:nvSpPr>
+            <p:spPr>
+              <a:xfrm>
+                <a:off x="1566854" y="3622052"/>
+                <a:ext cx="9101146" cy="927049"/>
+              </a:xfrm>
+              <a:prstGeom prst="rect">
+                <a:avLst/>
+              </a:prstGeom>
+              <a:blipFill>
+                <a:blip r:embed="rId2"/>
+                <a:stretch>
+                  <a:fillRect t="-86486" b="-136486"/>
+                </a:stretch>
+              </a:blipFill>
+            </p:spPr>
+            <p:txBody>
+              <a:bodyPr/>
+              <a:lstStyle/>
+              <a:p>
+                <a:r>
+                  <a:rPr lang="zh-CN" altLang="en-US">
+                    <a:noFill/>
+                  </a:rPr>
+                  <a:t> </a:t>
+                </a:r>
+              </a:p>
+            </p:txBody>
+          </p:sp>
+        </mc:Fallback>
+      </mc:AlternateContent>
+      <mc:AlternateContent xmlns:mc="http://schemas.openxmlformats.org/markup-compatibility/2006" xmlns:a14="http://schemas.microsoft.com/office/drawing/2010/main">
+        <mc:Choice Requires="a14">
+          <p:sp>
+            <p:nvSpPr>
+              <p:cNvPr id="6" name="TextBox 4">
+                <a:extLst>
+                  <a:ext uri="{FF2B5EF4-FFF2-40B4-BE49-F238E27FC236}">
+                    <a16:creationId xmlns:a16="http://schemas.microsoft.com/office/drawing/2014/main" id="{F408BE47-F22E-EF41-A014-9BC6DBDAD492}"/>
+                  </a:ext>
+                </a:extLst>
+              </p:cNvPr>
+              <p:cNvSpPr txBox="1"/>
+              <p:nvPr/>
+            </p:nvSpPr>
+            <p:spPr>
+              <a:xfrm>
+                <a:off x="5201194" y="4661190"/>
+                <a:ext cx="1321580" cy="555793"/>
+              </a:xfrm>
+              <a:prstGeom prst="rect">
+                <a:avLst/>
+              </a:prstGeom>
+              <a:noFill/>
+            </p:spPr>
+            <p:txBody>
+              <a:bodyPr wrap="none" lIns="0" tIns="0" rIns="0" bIns="0" rtlCol="0">
+                <a:spAutoFit/>
+              </a:bodyPr>
+              <a:lstStyle/>
+              <a:p>
+                <a:pPr/>
+                <a14:m>
+                  <m:oMathPara xmlns:m="http://schemas.openxmlformats.org/officeDocument/2006/math">
+                    <m:oMathParaPr>
+                      <m:jc m:val="centerGroup"/>
+                    </m:oMathParaPr>
+                    <m:oMath xmlns:m="http://schemas.openxmlformats.org/officeDocument/2006/math">
+                      <m:sSub>
+                        <m:sSubPr>
+                          <m:ctrlPr>
+                            <a:rPr lang="en-US" b="0" i="1" smtClean="0">
+                              <a:latin typeface="Cambria Math" panose="02040503050406030204" pitchFamily="18" charset="0"/>
+                            </a:rPr>
+                          </m:ctrlPr>
+                        </m:sSubPr>
+                        <m:e>
+                          <m:r>
+                            <a:rPr lang="en-US" b="0" i="1" smtClean="0">
+                              <a:latin typeface="Cambria Math" panose="02040503050406030204" pitchFamily="18" charset="0"/>
+                            </a:rPr>
+                            <m:t>𝑈</m:t>
+                          </m:r>
+                        </m:e>
+                        <m:sub>
+                          <m:r>
+                            <a:rPr lang="en-US" b="0" i="1" smtClean="0">
+                              <a:latin typeface="Cambria Math" panose="02040503050406030204" pitchFamily="18" charset="0"/>
+                            </a:rPr>
+                            <m:t>𝑒</m:t>
+                          </m:r>
+                          <m:r>
+                            <a:rPr lang="en-US" b="0" i="1" smtClean="0">
+                              <a:latin typeface="Cambria Math" panose="02040503050406030204" pitchFamily="18" charset="0"/>
+                            </a:rPr>
+                            <m:t>−</m:t>
+                          </m:r>
+                          <m:r>
+                            <a:rPr lang="en-US" b="0" i="1" smtClean="0">
+                              <a:latin typeface="Cambria Math" panose="02040503050406030204" pitchFamily="18" charset="0"/>
+                            </a:rPr>
+                            <m:t>𝑝h</m:t>
+                          </m:r>
+                        </m:sub>
+                      </m:sSub>
+                      <m:r>
+                        <a:rPr lang="en-US" b="0" i="1" smtClean="0">
+                          <a:latin typeface="Cambria Math" panose="02040503050406030204" pitchFamily="18" charset="0"/>
+                        </a:rPr>
+                        <m:t>=</m:t>
+                      </m:r>
+                      <m:f>
+                        <m:fPr>
+                          <m:ctrlPr>
+                            <a:rPr lang="en-US" b="0" i="1" smtClean="0">
+                              <a:latin typeface="Cambria Math" panose="02040503050406030204" pitchFamily="18" charset="0"/>
+                            </a:rPr>
+                          </m:ctrlPr>
+                        </m:fPr>
+                        <m:num>
+                          <m:r>
+                            <a:rPr lang="en-US" b="0" i="1" smtClean="0">
+                              <a:latin typeface="Cambria Math" panose="02040503050406030204" pitchFamily="18" charset="0"/>
+                            </a:rPr>
+                            <m:t>2</m:t>
+                          </m:r>
+                          <m:sSup>
+                            <m:sSupPr>
+                              <m:ctrlPr>
+                                <a:rPr lang="en-US" b="0" i="1" smtClean="0">
+                                  <a:latin typeface="Cambria Math" panose="02040503050406030204" pitchFamily="18" charset="0"/>
+                                </a:rPr>
+                              </m:ctrlPr>
+                            </m:sSupPr>
+                            <m:e>
+                              <m:r>
+                                <a:rPr lang="en-US" b="0" i="1" smtClean="0">
+                                  <a:latin typeface="Cambria Math" panose="02040503050406030204" pitchFamily="18" charset="0"/>
+                                </a:rPr>
+                                <m:t>𝑔</m:t>
+                              </m:r>
+                            </m:e>
+                            <m:sup>
+                              <m:r>
+                                <a:rPr lang="en-US" b="0" i="1" smtClean="0">
+                                  <a:latin typeface="Cambria Math" panose="02040503050406030204" pitchFamily="18" charset="0"/>
+                                </a:rPr>
+                                <m:t>2</m:t>
+                              </m:r>
+                            </m:sup>
+                          </m:sSup>
+                        </m:num>
+                        <m:den>
+                          <m:r>
+                            <a:rPr lang="en-US" b="0" i="1" smtClean="0">
+                              <a:latin typeface="Cambria Math" panose="02040503050406030204" pitchFamily="18" charset="0"/>
+                            </a:rPr>
+                            <m:t>ℏ</m:t>
+                          </m:r>
+                          <m:r>
+                            <a:rPr lang="en-US" b="0" i="1" smtClean="0">
+                              <a:latin typeface="Cambria Math" panose="02040503050406030204" pitchFamily="18" charset="0"/>
+                            </a:rPr>
+                            <m:t>𝜔</m:t>
+                          </m:r>
+                        </m:den>
+                      </m:f>
+                    </m:oMath>
+                  </m:oMathPara>
+                </a14:m>
+                <a:endParaRPr lang="en-CN" dirty="0"/>
+              </a:p>
+            </p:txBody>
+          </p:sp>
+        </mc:Choice>
+        <mc:Fallback xmlns="">
+          <p:sp>
+            <p:nvSpPr>
+              <p:cNvPr id="6" name="TextBox 4">
+                <a:extLst>
+                  <a:ext uri="{FF2B5EF4-FFF2-40B4-BE49-F238E27FC236}">
+                    <a16:creationId xmlns:a16="http://schemas.microsoft.com/office/drawing/2014/main" id="{F408BE47-F22E-EF41-A014-9BC6DBDAD492}"/>
+                  </a:ext>
+                </a:extLst>
+              </p:cNvPr>
+              <p:cNvSpPr txBox="1">
+                <a:spLocks noRot="1" noChangeAspect="1" noMove="1" noResize="1" noEditPoints="1" noAdjustHandles="1" noChangeArrowheads="1" noChangeShapeType="1" noTextEdit="1"/>
+              </p:cNvSpPr>
+              <p:nvPr/>
+            </p:nvSpPr>
+            <p:spPr>
+              <a:xfrm>
+                <a:off x="5201194" y="4661190"/>
+                <a:ext cx="1321580" cy="555793"/>
+              </a:xfrm>
+              <a:prstGeom prst="rect">
+                <a:avLst/>
+              </a:prstGeom>
+              <a:blipFill>
+                <a:blip r:embed="rId3"/>
+                <a:stretch>
+                  <a:fillRect l="-3810" r="-952" b="-13636"/>
+                </a:stretch>
+              </a:blipFill>
+            </p:spPr>
+            <p:txBody>
+              <a:bodyPr/>
+              <a:lstStyle/>
+              <a:p>
+                <a:r>
+                  <a:rPr lang="zh-CN" altLang="en-US">
+                    <a:noFill/>
+                  </a:rPr>
+                  <a:t> </a:t>
+                </a:r>
+              </a:p>
+            </p:txBody>
+          </p:sp>
+        </mc:Fallback>
+      </mc:AlternateContent>
+    </p:spTree>
+    <p:extLst>
+      <p:ext uri="{BB962C8B-B14F-4D97-AF65-F5344CB8AC3E}">
+        <p14:creationId xmlns:p14="http://schemas.microsoft.com/office/powerpoint/2010/main" val="3879330816"/>
+      </p:ext>
+    </p:extLst>
+  </p:cSld>
+  <p:clrMapOvr>
+    <a:masterClrMapping/>
+  </p:clrMapOvr>
+</p:sld>
+</file>
+
+<file path=ppt/slides/slide17.xml><?xml version="1.0" encoding="utf-8"?>
+<p:sld xmlns:a="http://schemas.openxmlformats.org/drawingml/2006/main" xmlns:r="http://schemas.openxmlformats.org/officeDocument/2006/relationships" xmlns:p="http://schemas.openxmlformats.org/presentationml/2006/main">
+  <p:cSld>
+    <p:spTree>
+      <p:nvGrpSpPr>
+        <p:cNvPr id="1" name=""/>
+        <p:cNvGrpSpPr/>
+        <p:nvPr/>
+      </p:nvGrpSpPr>
+      <p:grpSpPr>
+        <a:xfrm>
+          <a:off x="0" y="0"/>
+          <a:ext cx="0" cy="0"/>
+          <a:chOff x="0" y="0"/>
+          <a:chExt cx="0" cy="0"/>
+        </a:xfrm>
+      </p:grpSpPr>
+      <mc:AlternateContent xmlns:mc="http://schemas.openxmlformats.org/markup-compatibility/2006" xmlns:a14="http://schemas.microsoft.com/office/drawing/2010/main">
+        <mc:Choice Requires="a14">
+          <p:sp>
+            <p:nvSpPr>
+              <p:cNvPr id="4" name="标题 1">
+                <a:extLst>
+                  <a:ext uri="{FF2B5EF4-FFF2-40B4-BE49-F238E27FC236}">
+                    <a16:creationId xmlns:a16="http://schemas.microsoft.com/office/drawing/2014/main" id="{145173B0-40C7-7945-A39F-52F92A60DFA5}"/>
+                  </a:ext>
+                </a:extLst>
+              </p:cNvPr>
+              <p:cNvSpPr>
+                <a:spLocks noGrp="1"/>
+              </p:cNvSpPr>
+              <p:nvPr>
+                <p:ph type="title"/>
+              </p:nvPr>
+            </p:nvSpPr>
+            <p:spPr>
+              <a:xfrm>
+                <a:off x="187271" y="115019"/>
+                <a:ext cx="6523496" cy="595770"/>
+              </a:xfrm>
+            </p:spPr>
+            <p:txBody>
+              <a:bodyPr>
+                <a:normAutofit/>
+              </a:bodyPr>
+              <a:lstStyle/>
+              <a:p>
+                <a:r>
+                  <a:rPr kumimoji="1" lang="en-US" altLang="zh-CN" sz="3600" dirty="0">
+                    <a:latin typeface="Times New Roman" panose="02020603050405020304" pitchFamily="18" charset="0"/>
+                    <a:cs typeface="Times New Roman" panose="02020603050405020304" pitchFamily="18" charset="0"/>
+                  </a:rPr>
+                  <a:t>Holstein-Hubbard, </a:t>
+                </a:r>
+                <a14:m>
+                  <m:oMath xmlns:m="http://schemas.openxmlformats.org/officeDocument/2006/math">
+                    <m:r>
+                      <a:rPr kumimoji="1" lang="en-US" altLang="zh-CN" sz="3600" b="0" i="1" dirty="0" smtClean="0">
+                        <a:latin typeface="Cambria Math" panose="02040503050406030204" pitchFamily="18" charset="0"/>
+                        <a:cs typeface="Times New Roman" panose="02020603050405020304" pitchFamily="18" charset="0"/>
+                      </a:rPr>
+                      <m:t>𝜆</m:t>
+                    </m:r>
+                    <m:r>
+                      <a:rPr kumimoji="1" lang="en-US" altLang="zh-CN" sz="3600" b="0" i="1" dirty="0" smtClean="0">
+                        <a:latin typeface="Cambria Math" panose="02040503050406030204" pitchFamily="18" charset="0"/>
+                        <a:cs typeface="Times New Roman" panose="02020603050405020304" pitchFamily="18" charset="0"/>
+                      </a:rPr>
+                      <m:t>=0.2</m:t>
+                    </m:r>
+                  </m:oMath>
+                </a14:m>
+                <a:endParaRPr kumimoji="1" lang="zh-CN" altLang="en-US" sz="3600" dirty="0">
+                  <a:latin typeface="Times New Roman" panose="02020603050405020304" pitchFamily="18" charset="0"/>
+                  <a:cs typeface="Times New Roman" panose="02020603050405020304" pitchFamily="18" charset="0"/>
+                </a:endParaRPr>
+              </a:p>
+            </p:txBody>
+          </p:sp>
+        </mc:Choice>
+        <mc:Fallback xmlns="">
+          <p:sp>
+            <p:nvSpPr>
+              <p:cNvPr id="4" name="标题 1">
+                <a:extLst>
+                  <a:ext uri="{FF2B5EF4-FFF2-40B4-BE49-F238E27FC236}">
+                    <a16:creationId xmlns:a16="http://schemas.microsoft.com/office/drawing/2014/main" id="{145173B0-40C7-7945-A39F-52F92A60DFA5}"/>
+                  </a:ext>
+                </a:extLst>
+              </p:cNvPr>
+              <p:cNvSpPr>
+                <a:spLocks noGrp="1" noRot="1" noChangeAspect="1" noMove="1" noResize="1" noEditPoints="1" noAdjustHandles="1" noChangeArrowheads="1" noChangeShapeType="1" noTextEdit="1"/>
+              </p:cNvSpPr>
+              <p:nvPr>
+                <p:ph type="title"/>
+              </p:nvPr>
+            </p:nvSpPr>
+            <p:spPr>
+              <a:xfrm>
+                <a:off x="187271" y="115019"/>
+                <a:ext cx="6523496" cy="595770"/>
+              </a:xfrm>
+              <a:blipFill>
+                <a:blip r:embed="rId2"/>
+                <a:stretch>
+                  <a:fillRect l="-2718" t="-25000" b="-33333"/>
+                </a:stretch>
+              </a:blipFill>
+            </p:spPr>
+            <p:txBody>
+              <a:bodyPr/>
+              <a:lstStyle/>
+              <a:p>
+                <a:r>
+                  <a:rPr lang="zh-CN" altLang="en-US">
+                    <a:noFill/>
+                  </a:rPr>
+                  <a:t> </a:t>
+                </a:r>
+              </a:p>
+            </p:txBody>
+          </p:sp>
+        </mc:Fallback>
+      </mc:AlternateContent>
+      <p:pic>
+        <p:nvPicPr>
+          <p:cNvPr id="7" name="图片 6">
+            <a:extLst>
+              <a:ext uri="{FF2B5EF4-FFF2-40B4-BE49-F238E27FC236}">
+                <a16:creationId xmlns:a16="http://schemas.microsoft.com/office/drawing/2014/main" id="{7218171E-7CB6-E44E-BE46-023020D44562}"/>
+              </a:ext>
+            </a:extLst>
+          </p:cNvPr>
+          <p:cNvPicPr>
+            <a:picLocks noChangeAspect="1"/>
+          </p:cNvPicPr>
+          <p:nvPr/>
+        </p:nvPicPr>
+        <p:blipFill>
+          <a:blip r:embed="rId3"/>
+          <a:stretch>
+            <a:fillRect/>
+          </a:stretch>
+        </p:blipFill>
+        <p:spPr>
+          <a:xfrm>
+            <a:off x="1089498" y="928065"/>
+            <a:ext cx="5729972" cy="4231037"/>
+          </a:xfrm>
+          <a:prstGeom prst="rect">
+            <a:avLst/>
+          </a:prstGeom>
+        </p:spPr>
+      </p:pic>
+      <mc:AlternateContent xmlns:mc="http://schemas.openxmlformats.org/markup-compatibility/2006" xmlns:a14="http://schemas.microsoft.com/office/drawing/2010/main">
+        <mc:Choice Requires="a14">
+          <p:sp>
+            <p:nvSpPr>
+              <p:cNvPr id="8" name="文本框 7">
+                <a:extLst>
+                  <a:ext uri="{FF2B5EF4-FFF2-40B4-BE49-F238E27FC236}">
+                    <a16:creationId xmlns:a16="http://schemas.microsoft.com/office/drawing/2014/main" id="{B2197D6E-D735-A549-8AA2-D0A15ED504B4}"/>
+                  </a:ext>
+                </a:extLst>
+              </p:cNvPr>
+              <p:cNvSpPr txBox="1"/>
+              <p:nvPr/>
+            </p:nvSpPr>
+            <p:spPr>
+              <a:xfrm>
+                <a:off x="805543" y="5468270"/>
+                <a:ext cx="8533473" cy="923330"/>
+              </a:xfrm>
+              <a:prstGeom prst="rect">
+                <a:avLst/>
+              </a:prstGeom>
+              <a:noFill/>
+            </p:spPr>
+            <p:txBody>
+              <a:bodyPr wrap="square" rtlCol="0">
+                <a:spAutoFit/>
+              </a:bodyPr>
+              <a:lstStyle/>
+              <a:p>
+                <a:r>
+                  <a:rPr kumimoji="1" lang="en-US" altLang="zh-CN" dirty="0">
+                    <a:latin typeface="Times New Roman" panose="02020603050405020304" pitchFamily="18" charset="0"/>
+                    <a:cs typeface="Times New Roman" panose="02020603050405020304" pitchFamily="18" charset="0"/>
+                  </a:rPr>
+                  <a:t>D=14000  strange state </a:t>
+                </a:r>
+                <a14:m>
+                  <m:oMath xmlns:m="http://schemas.openxmlformats.org/officeDocument/2006/math">
+                    <m:sSub>
+                      <m:sSubPr>
+                        <m:ctrlPr>
+                          <a:rPr kumimoji="1" lang="en-US" altLang="zh-CN" b="0" i="1" dirty="0" smtClean="0">
+                            <a:latin typeface="Cambria Math" panose="02040503050406030204" pitchFamily="18" charset="0"/>
+                            <a:cs typeface="Times New Roman" panose="02020603050405020304" pitchFamily="18" charset="0"/>
+                          </a:rPr>
+                        </m:ctrlPr>
+                      </m:sSubPr>
+                      <m:e>
+                        <m:r>
+                          <a:rPr kumimoji="1" lang="en-US" altLang="zh-CN" i="1" dirty="0" smtClean="0">
+                            <a:latin typeface="Cambria Math" panose="02040503050406030204" pitchFamily="18" charset="0"/>
+                            <a:cs typeface="Times New Roman" panose="02020603050405020304" pitchFamily="18" charset="0"/>
+                          </a:rPr>
+                          <m:t>𝐸</m:t>
+                        </m:r>
+                      </m:e>
+                      <m:sub>
+                        <m:r>
+                          <a:rPr kumimoji="1" lang="en-US" altLang="zh-CN" b="0" i="1" dirty="0" smtClean="0">
+                            <a:latin typeface="Cambria Math" panose="02040503050406030204" pitchFamily="18" charset="0"/>
+                            <a:cs typeface="Times New Roman" panose="02020603050405020304" pitchFamily="18" charset="0"/>
+                          </a:rPr>
+                          <m:t>0</m:t>
+                        </m:r>
+                      </m:sub>
+                    </m:sSub>
+                    <m:r>
+                      <a:rPr kumimoji="1" lang="en-US" altLang="zh-CN" i="1" dirty="0">
+                        <a:latin typeface="Cambria Math" panose="02040503050406030204" pitchFamily="18" charset="0"/>
+                        <a:cs typeface="Times New Roman" panose="02020603050405020304" pitchFamily="18" charset="0"/>
+                      </a:rPr>
+                      <m:t>=</m:t>
+                    </m:r>
+                    <m:r>
+                      <a:rPr lang="en-US" altLang="zh-CN" i="1" dirty="0">
+                        <a:latin typeface="Cambria Math" panose="02040503050406030204" pitchFamily="18" charset="0"/>
+                      </a:rPr>
+                      <m:t>−</m:t>
+                    </m:r>
+                    <m:r>
+                      <a:rPr lang="en-US" altLang="zh-CN" i="1" dirty="0">
+                        <a:latin typeface="Cambria Math" panose="02040503050406030204" pitchFamily="18" charset="0"/>
+                        <a:cs typeface="Times New Roman" panose="02020603050405020304" pitchFamily="18" charset="0"/>
+                      </a:rPr>
+                      <m:t>186.237(1)</m:t>
+                    </m:r>
+                  </m:oMath>
+                </a14:m>
+                <a:r>
+                  <a:rPr lang="zh-CN" altLang="en-US" dirty="0">
+                    <a:latin typeface="Times New Roman" panose="02020603050405020304" pitchFamily="18" charset="0"/>
+                    <a:cs typeface="Times New Roman" panose="02020603050405020304" pitchFamily="18" charset="0"/>
+                  </a:rPr>
+                  <a:t>。</a:t>
+                </a:r>
+                <a:endParaRPr lang="en-US" altLang="zh-CN" dirty="0">
+                  <a:latin typeface="Times New Roman" panose="02020603050405020304" pitchFamily="18" charset="0"/>
+                  <a:cs typeface="Times New Roman" panose="02020603050405020304" pitchFamily="18" charset="0"/>
+                </a:endParaRPr>
+              </a:p>
+              <a:p>
+                <a:r>
+                  <a:rPr lang="en-US" altLang="zh-CN" dirty="0">
+                    <a:latin typeface="Times New Roman" panose="02020603050405020304" pitchFamily="18" charset="0"/>
+                    <a:cs typeface="Times New Roman" panose="02020603050405020304" pitchFamily="18" charset="0"/>
+                  </a:rPr>
+                  <a:t>D=14000 filled stripe </a:t>
+                </a:r>
+                <a14:m>
+                  <m:oMath xmlns:m="http://schemas.openxmlformats.org/officeDocument/2006/math">
+                    <m:sSub>
+                      <m:sSubPr>
+                        <m:ctrlPr>
+                          <a:rPr lang="en-US" altLang="zh-CN" b="0" i="1" dirty="0" smtClean="0">
+                            <a:latin typeface="Cambria Math" panose="02040503050406030204" pitchFamily="18" charset="0"/>
+                            <a:cs typeface="Times New Roman" panose="02020603050405020304" pitchFamily="18" charset="0"/>
+                          </a:rPr>
+                        </m:ctrlPr>
+                      </m:sSubPr>
+                      <m:e>
+                        <m:r>
+                          <a:rPr lang="en-US" altLang="zh-CN" i="1" dirty="0" smtClean="0">
+                            <a:latin typeface="Cambria Math" panose="02040503050406030204" pitchFamily="18" charset="0"/>
+                            <a:cs typeface="Times New Roman" panose="02020603050405020304" pitchFamily="18" charset="0"/>
+                          </a:rPr>
+                          <m:t>𝐸</m:t>
+                        </m:r>
+                      </m:e>
+                      <m:sub>
+                        <m:r>
+                          <a:rPr lang="en-US" altLang="zh-CN" b="0" i="1" dirty="0" smtClean="0">
+                            <a:latin typeface="Cambria Math" panose="02040503050406030204" pitchFamily="18" charset="0"/>
+                            <a:cs typeface="Times New Roman" panose="02020603050405020304" pitchFamily="18" charset="0"/>
+                          </a:rPr>
+                          <m:t>0</m:t>
+                        </m:r>
+                      </m:sub>
+                    </m:sSub>
+                    <m:r>
+                      <a:rPr lang="en-US" altLang="zh-CN" i="1" dirty="0">
+                        <a:latin typeface="Cambria Math" panose="02040503050406030204" pitchFamily="18" charset="0"/>
+                        <a:cs typeface="Times New Roman" panose="02020603050405020304" pitchFamily="18" charset="0"/>
+                      </a:rPr>
+                      <m:t>=−186.267(1)</m:t>
+                    </m:r>
+                  </m:oMath>
+                </a14:m>
+                <a:r>
+                  <a:rPr lang="zh-CN" altLang="en-US" dirty="0">
+                    <a:latin typeface="Times New Roman" panose="02020603050405020304" pitchFamily="18" charset="0"/>
+                    <a:cs typeface="Times New Roman" panose="02020603050405020304" pitchFamily="18" charset="0"/>
+                  </a:rPr>
+                  <a:t>，</a:t>
+                </a:r>
+                <a:endParaRPr lang="en-US" altLang="zh-CN" dirty="0">
+                  <a:latin typeface="Times New Roman" panose="02020603050405020304" pitchFamily="18" charset="0"/>
+                  <a:cs typeface="Times New Roman" panose="02020603050405020304" pitchFamily="18" charset="0"/>
+                </a:endParaRPr>
+              </a:p>
+              <a:p>
+                <a:r>
+                  <a:rPr lang="en-US" altLang="zh-CN" dirty="0">
+                    <a:latin typeface="Times New Roman" panose="02020603050405020304" pitchFamily="18" charset="0"/>
+                    <a:cs typeface="Times New Roman" panose="02020603050405020304" pitchFamily="18" charset="0"/>
+                  </a:rPr>
+                  <a:t>Whatever the wave length of pinning field is 4 or 8, the ground state is always filled stripe.</a:t>
+                </a:r>
+              </a:p>
+            </p:txBody>
+          </p:sp>
+        </mc:Choice>
+        <mc:Fallback xmlns="">
+          <p:sp>
+            <p:nvSpPr>
+              <p:cNvPr id="8" name="文本框 7">
+                <a:extLst>
+                  <a:ext uri="{FF2B5EF4-FFF2-40B4-BE49-F238E27FC236}">
+                    <a16:creationId xmlns:a16="http://schemas.microsoft.com/office/drawing/2014/main" id="{B2197D6E-D735-A549-8AA2-D0A15ED504B4}"/>
+                  </a:ext>
+                </a:extLst>
+              </p:cNvPr>
+              <p:cNvSpPr txBox="1">
+                <a:spLocks noRot="1" noChangeAspect="1" noMove="1" noResize="1" noEditPoints="1" noAdjustHandles="1" noChangeArrowheads="1" noChangeShapeType="1" noTextEdit="1"/>
+              </p:cNvSpPr>
+              <p:nvPr/>
+            </p:nvSpPr>
+            <p:spPr>
+              <a:xfrm>
+                <a:off x="805543" y="5468270"/>
+                <a:ext cx="8533473" cy="923330"/>
+              </a:xfrm>
+              <a:prstGeom prst="rect">
+                <a:avLst/>
+              </a:prstGeom>
+              <a:blipFill>
+                <a:blip r:embed="rId4"/>
+                <a:stretch>
+                  <a:fillRect l="-594" t="-2703" r="-149" b="-9459"/>
+                </a:stretch>
+              </a:blipFill>
+            </p:spPr>
+            <p:txBody>
+              <a:bodyPr/>
+              <a:lstStyle/>
+              <a:p>
+                <a:r>
+                  <a:rPr lang="zh-CN" altLang="en-US">
+                    <a:noFill/>
+                  </a:rPr>
+                  <a:t> </a:t>
+                </a:r>
+              </a:p>
+            </p:txBody>
+          </p:sp>
+        </mc:Fallback>
+      </mc:AlternateContent>
+      <p:pic>
+        <p:nvPicPr>
+          <p:cNvPr id="9" name="图片 8">
+            <a:extLst>
+              <a:ext uri="{FF2B5EF4-FFF2-40B4-BE49-F238E27FC236}">
+                <a16:creationId xmlns:a16="http://schemas.microsoft.com/office/drawing/2014/main" id="{43AE3B3D-05E3-BE40-880A-8C0B540EDACA}"/>
+              </a:ext>
+            </a:extLst>
+          </p:cNvPr>
+          <p:cNvPicPr>
+            <a:picLocks noChangeAspect="1"/>
+          </p:cNvPicPr>
+          <p:nvPr/>
+        </p:nvPicPr>
+        <p:blipFill>
+          <a:blip r:embed="rId5"/>
+          <a:stretch>
+            <a:fillRect/>
+          </a:stretch>
+        </p:blipFill>
+        <p:spPr>
+          <a:xfrm>
+            <a:off x="7610185" y="854914"/>
+            <a:ext cx="4303519" cy="3333555"/>
+          </a:xfrm>
+          <a:prstGeom prst="rect">
+            <a:avLst/>
+          </a:prstGeom>
+        </p:spPr>
+      </p:pic>
+      <mc:AlternateContent xmlns:mc="http://schemas.openxmlformats.org/markup-compatibility/2006" xmlns:a14="http://schemas.microsoft.com/office/drawing/2010/main">
+        <mc:Choice Requires="a14">
+          <p:sp>
+            <p:nvSpPr>
+              <p:cNvPr id="10" name="文本框 9">
+                <a:extLst>
+                  <a:ext uri="{FF2B5EF4-FFF2-40B4-BE49-F238E27FC236}">
+                    <a16:creationId xmlns:a16="http://schemas.microsoft.com/office/drawing/2014/main" id="{1C4C3AFD-DE05-F54F-8A06-0CA52739DF7D}"/>
+                  </a:ext>
+                </a:extLst>
+              </p:cNvPr>
+              <p:cNvSpPr txBox="1"/>
+              <p:nvPr/>
+            </p:nvSpPr>
+            <p:spPr>
+              <a:xfrm>
+                <a:off x="8318547" y="4506994"/>
+                <a:ext cx="2886793" cy="923330"/>
+              </a:xfrm>
+              <a:prstGeom prst="rect">
+                <a:avLst/>
+              </a:prstGeom>
+              <a:noFill/>
+            </p:spPr>
+            <p:txBody>
+              <a:bodyPr wrap="square" rtlCol="0">
+                <a:spAutoFit/>
+              </a:bodyPr>
+              <a:lstStyle/>
+              <a:p>
+                <a:r>
+                  <a:rPr kumimoji="1" lang="en-US" altLang="zh-CN" dirty="0">
+                    <a:latin typeface="Times New Roman" panose="02020603050405020304" pitchFamily="18" charset="0"/>
+                    <a:cs typeface="Times New Roman" panose="02020603050405020304" pitchFamily="18" charset="0"/>
+                  </a:rPr>
+                  <a:t>yy-bond correlation</a:t>
+                </a:r>
+              </a:p>
+              <a:p>
+                <a:pPr/>
+                <a14:m>
+                  <m:oMathPara xmlns:m="http://schemas.openxmlformats.org/officeDocument/2006/math">
+                    <m:oMathParaPr>
+                      <m:jc m:val="centerGroup"/>
+                    </m:oMathParaPr>
+                    <m:oMath xmlns:m="http://schemas.openxmlformats.org/officeDocument/2006/math">
+                      <m:r>
+                        <a:rPr kumimoji="1" lang="en-US" altLang="zh-CN" i="1" dirty="0" smtClean="0">
+                          <a:latin typeface="Cambria Math" panose="02040503050406030204" pitchFamily="18" charset="0"/>
+                          <a:cs typeface="Times New Roman" panose="02020603050405020304" pitchFamily="18" charset="0"/>
+                        </a:rPr>
+                        <m:t>𝐷</m:t>
+                      </m:r>
+                      <m:r>
+                        <a:rPr kumimoji="1" lang="en-US" altLang="zh-CN" i="1" dirty="0" smtClean="0">
+                          <a:latin typeface="Cambria Math" panose="02040503050406030204" pitchFamily="18" charset="0"/>
+                          <a:cs typeface="Times New Roman" panose="02020603050405020304" pitchFamily="18" charset="0"/>
+                        </a:rPr>
+                        <m:t>=14000</m:t>
+                      </m:r>
+                    </m:oMath>
+                  </m:oMathPara>
+                </a14:m>
+                <a:endParaRPr kumimoji="1" lang="en-US" altLang="zh-CN" dirty="0">
+                  <a:latin typeface="Times New Roman" panose="02020603050405020304" pitchFamily="18" charset="0"/>
+                  <a:cs typeface="Times New Roman" panose="02020603050405020304" pitchFamily="18" charset="0"/>
+                </a:endParaRPr>
+              </a:p>
+              <a:p>
+                <a:pPr/>
+                <a14:m>
+                  <m:oMathPara xmlns:m="http://schemas.openxmlformats.org/officeDocument/2006/math">
+                    <m:oMathParaPr>
+                      <m:jc m:val="centerGroup"/>
+                    </m:oMathParaPr>
+                    <m:oMath xmlns:m="http://schemas.openxmlformats.org/officeDocument/2006/math">
+                      <m:sSub>
+                        <m:sSubPr>
+                          <m:ctrlPr>
+                            <a:rPr kumimoji="1" lang="en-US" altLang="zh-CN" b="0" i="1" dirty="0" smtClean="0">
+                              <a:latin typeface="Cambria Math" panose="02040503050406030204" pitchFamily="18" charset="0"/>
+                              <a:cs typeface="Times New Roman" panose="02020603050405020304" pitchFamily="18" charset="0"/>
+                            </a:rPr>
+                          </m:ctrlPr>
+                        </m:sSubPr>
+                        <m:e>
+                          <m:r>
+                            <a:rPr kumimoji="1" lang="en-US" altLang="zh-CN" i="1" dirty="0" smtClean="0">
+                              <a:latin typeface="Cambria Math" panose="02040503050406030204" pitchFamily="18" charset="0"/>
+                              <a:cs typeface="Times New Roman" panose="02020603050405020304" pitchFamily="18" charset="0"/>
+                            </a:rPr>
+                            <m:t>𝐾</m:t>
+                          </m:r>
+                        </m:e>
+                        <m:sub>
+                          <m:r>
+                            <a:rPr kumimoji="1" lang="en-US" altLang="zh-CN" i="1" dirty="0" smtClean="0">
+                              <a:latin typeface="Cambria Math" panose="02040503050406030204" pitchFamily="18" charset="0"/>
+                              <a:cs typeface="Times New Roman" panose="02020603050405020304" pitchFamily="18" charset="0"/>
+                            </a:rPr>
+                            <m:t>𝑠𝑐</m:t>
+                          </m:r>
+                        </m:sub>
+                      </m:sSub>
+                      <m:r>
+                        <a:rPr kumimoji="1" lang="en-US" altLang="zh-CN" i="1" dirty="0" smtClean="0">
+                          <a:latin typeface="Cambria Math" panose="02040503050406030204" pitchFamily="18" charset="0"/>
+                          <a:cs typeface="Times New Roman" panose="02020603050405020304" pitchFamily="18" charset="0"/>
+                        </a:rPr>
+                        <m:t> = 3.09 / </m:t>
+                      </m:r>
+                      <m:r>
+                        <a:rPr kumimoji="1" lang="en-US" altLang="zh-CN" i="1" dirty="0">
+                          <a:latin typeface="Cambria Math" panose="02040503050406030204" pitchFamily="18" charset="0"/>
+                        </a:rPr>
+                        <m:t>𝜉</m:t>
+                      </m:r>
+                      <m:r>
+                        <a:rPr kumimoji="1" lang="en-US" altLang="zh-CN" i="1" dirty="0" smtClean="0">
+                          <a:latin typeface="Cambria Math" panose="02040503050406030204" pitchFamily="18" charset="0"/>
+                          <a:cs typeface="Times New Roman" panose="02020603050405020304" pitchFamily="18" charset="0"/>
+                        </a:rPr>
+                        <m:t> = 2.87</m:t>
+                      </m:r>
+                    </m:oMath>
+                  </m:oMathPara>
+                </a14:m>
+                <a:endParaRPr kumimoji="1" lang="zh-CN" altLang="en-US" dirty="0">
+                  <a:latin typeface="Times New Roman" panose="02020603050405020304" pitchFamily="18" charset="0"/>
+                  <a:cs typeface="Times New Roman" panose="02020603050405020304" pitchFamily="18" charset="0"/>
+                </a:endParaRPr>
+              </a:p>
+            </p:txBody>
+          </p:sp>
+        </mc:Choice>
+        <mc:Fallback xmlns="">
+          <p:sp>
+            <p:nvSpPr>
+              <p:cNvPr id="10" name="文本框 9">
+                <a:extLst>
+                  <a:ext uri="{FF2B5EF4-FFF2-40B4-BE49-F238E27FC236}">
+                    <a16:creationId xmlns:a16="http://schemas.microsoft.com/office/drawing/2014/main" id="{1C4C3AFD-DE05-F54F-8A06-0CA52739DF7D}"/>
+                  </a:ext>
+                </a:extLst>
+              </p:cNvPr>
+              <p:cNvSpPr txBox="1">
+                <a:spLocks noRot="1" noChangeAspect="1" noMove="1" noResize="1" noEditPoints="1" noAdjustHandles="1" noChangeArrowheads="1" noChangeShapeType="1" noTextEdit="1"/>
+              </p:cNvSpPr>
+              <p:nvPr/>
+            </p:nvSpPr>
+            <p:spPr>
+              <a:xfrm>
+                <a:off x="8318547" y="4506994"/>
+                <a:ext cx="2886793" cy="923330"/>
+              </a:xfrm>
+              <a:prstGeom prst="rect">
+                <a:avLst/>
+              </a:prstGeom>
+              <a:blipFill>
+                <a:blip r:embed="rId6"/>
+                <a:stretch>
+                  <a:fillRect l="-2193" t="-2703" b="-6757"/>
+                </a:stretch>
+              </a:blipFill>
+            </p:spPr>
+            <p:txBody>
+              <a:bodyPr/>
+              <a:lstStyle/>
+              <a:p>
+                <a:r>
+                  <a:rPr lang="zh-CN" altLang="en-US">
+                    <a:noFill/>
+                  </a:rPr>
+                  <a:t> </a:t>
+                </a:r>
+              </a:p>
+            </p:txBody>
+          </p:sp>
+        </mc:Fallback>
+      </mc:AlternateContent>
+    </p:spTree>
+    <p:extLst>
+      <p:ext uri="{BB962C8B-B14F-4D97-AF65-F5344CB8AC3E}">
+        <p14:creationId xmlns:p14="http://schemas.microsoft.com/office/powerpoint/2010/main" val="2865262755"/>
+      </p:ext>
+    </p:extLst>
+  </p:cSld>
+  <p:clrMapOvr>
+    <a:masterClrMapping/>
+  </p:clrMapOvr>
+</p:sld>
+</file>
+
+<file path=ppt/slides/slide18.xml><?xml version="1.0" encoding="utf-8"?>
+<p:sld xmlns:a="http://schemas.openxmlformats.org/drawingml/2006/main" xmlns:r="http://schemas.openxmlformats.org/officeDocument/2006/relationships" xmlns:p="http://schemas.openxmlformats.org/presentationml/2006/main">
+  <p:cSld>
+    <p:spTree>
+      <p:nvGrpSpPr>
+        <p:cNvPr id="1" name=""/>
+        <p:cNvGrpSpPr/>
+        <p:nvPr/>
+      </p:nvGrpSpPr>
+      <p:grpSpPr>
+        <a:xfrm>
+          <a:off x="0" y="0"/>
+          <a:ext cx="0" cy="0"/>
+          <a:chOff x="0" y="0"/>
+          <a:chExt cx="0" cy="0"/>
+        </a:xfrm>
+      </p:grpSpPr>
+      <mc:AlternateContent xmlns:mc="http://schemas.openxmlformats.org/markup-compatibility/2006" xmlns:a14="http://schemas.microsoft.com/office/drawing/2010/main">
+        <mc:Choice Requires="a14">
+          <p:sp>
+            <p:nvSpPr>
+              <p:cNvPr id="4" name="标题 1">
+                <a:extLst>
+                  <a:ext uri="{FF2B5EF4-FFF2-40B4-BE49-F238E27FC236}">
+                    <a16:creationId xmlns:a16="http://schemas.microsoft.com/office/drawing/2014/main" id="{2A384482-3EA9-AC44-B3C7-AD51BA250450}"/>
+                  </a:ext>
+                </a:extLst>
+              </p:cNvPr>
+              <p:cNvSpPr>
+                <a:spLocks noGrp="1"/>
+              </p:cNvSpPr>
+              <p:nvPr>
+                <p:ph type="title"/>
+              </p:nvPr>
+            </p:nvSpPr>
+            <p:spPr>
+              <a:xfrm>
+                <a:off x="187271" y="115019"/>
+                <a:ext cx="6523496" cy="595770"/>
+              </a:xfrm>
+            </p:spPr>
+            <p:txBody>
+              <a:bodyPr>
+                <a:normAutofit/>
+              </a:bodyPr>
+              <a:lstStyle/>
+              <a:p>
+                <a:r>
+                  <a:rPr kumimoji="1" lang="en-US" altLang="zh-CN" sz="3600" dirty="0">
+                    <a:latin typeface="Times New Roman" panose="02020603050405020304" pitchFamily="18" charset="0"/>
+                    <a:cs typeface="Times New Roman" panose="02020603050405020304" pitchFamily="18" charset="0"/>
+                  </a:rPr>
+                  <a:t>Holstein-Hubbard, </a:t>
+                </a:r>
+                <a14:m>
+                  <m:oMath xmlns:m="http://schemas.openxmlformats.org/officeDocument/2006/math">
+                    <m:r>
+                      <a:rPr kumimoji="1" lang="en-US" altLang="zh-CN" sz="3600" b="0" i="1" dirty="0" smtClean="0">
+                        <a:latin typeface="Cambria Math" panose="02040503050406030204" pitchFamily="18" charset="0"/>
+                        <a:cs typeface="Times New Roman" panose="02020603050405020304" pitchFamily="18" charset="0"/>
+                      </a:rPr>
+                      <m:t>𝜆</m:t>
+                    </m:r>
+                    <m:r>
+                      <a:rPr kumimoji="1" lang="en-US" altLang="zh-CN" sz="3600" b="0" i="1" dirty="0" smtClean="0">
+                        <a:latin typeface="Cambria Math" panose="02040503050406030204" pitchFamily="18" charset="0"/>
+                        <a:cs typeface="Times New Roman" panose="02020603050405020304" pitchFamily="18" charset="0"/>
+                      </a:rPr>
+                      <m:t>=0.3</m:t>
+                    </m:r>
+                  </m:oMath>
+                </a14:m>
+                <a:endParaRPr kumimoji="1" lang="zh-CN" altLang="en-US" sz="3600" dirty="0">
+                  <a:latin typeface="Times New Roman" panose="02020603050405020304" pitchFamily="18" charset="0"/>
+                  <a:cs typeface="Times New Roman" panose="02020603050405020304" pitchFamily="18" charset="0"/>
+                </a:endParaRPr>
+              </a:p>
+            </p:txBody>
+          </p:sp>
+        </mc:Choice>
+        <mc:Fallback xmlns="">
+          <p:sp>
+            <p:nvSpPr>
+              <p:cNvPr id="4" name="标题 1">
+                <a:extLst>
+                  <a:ext uri="{FF2B5EF4-FFF2-40B4-BE49-F238E27FC236}">
+                    <a16:creationId xmlns:a16="http://schemas.microsoft.com/office/drawing/2014/main" id="{2A384482-3EA9-AC44-B3C7-AD51BA250450}"/>
+                  </a:ext>
+                </a:extLst>
+              </p:cNvPr>
+              <p:cNvSpPr>
+                <a:spLocks noGrp="1" noRot="1" noChangeAspect="1" noMove="1" noResize="1" noEditPoints="1" noAdjustHandles="1" noChangeArrowheads="1" noChangeShapeType="1" noTextEdit="1"/>
+              </p:cNvSpPr>
+              <p:nvPr>
+                <p:ph type="title"/>
+              </p:nvPr>
+            </p:nvSpPr>
+            <p:spPr>
+              <a:xfrm>
+                <a:off x="187271" y="115019"/>
+                <a:ext cx="6523496" cy="595770"/>
+              </a:xfrm>
+              <a:blipFill>
+                <a:blip r:embed="rId2"/>
+                <a:stretch>
+                  <a:fillRect l="-2718" t="-25000" b="-33333"/>
+                </a:stretch>
+              </a:blipFill>
+            </p:spPr>
+            <p:txBody>
+              <a:bodyPr/>
+              <a:lstStyle/>
+              <a:p>
+                <a:r>
+                  <a:rPr lang="zh-CN" altLang="en-US">
+                    <a:noFill/>
+                  </a:rPr>
+                  <a:t> </a:t>
+                </a:r>
+              </a:p>
+            </p:txBody>
+          </p:sp>
+        </mc:Fallback>
+      </mc:AlternateContent>
+      <p:pic>
+        <p:nvPicPr>
+          <p:cNvPr id="5" name="图片 4">
+            <a:extLst>
+              <a:ext uri="{FF2B5EF4-FFF2-40B4-BE49-F238E27FC236}">
+                <a16:creationId xmlns:a16="http://schemas.microsoft.com/office/drawing/2014/main" id="{1EDA660A-994D-114E-ADEF-8053F028FED2}"/>
+              </a:ext>
+            </a:extLst>
+          </p:cNvPr>
+          <p:cNvPicPr>
+            <a:picLocks noChangeAspect="1"/>
+          </p:cNvPicPr>
+          <p:nvPr/>
+        </p:nvPicPr>
+        <p:blipFill>
+          <a:blip r:embed="rId3"/>
+          <a:stretch>
+            <a:fillRect/>
+          </a:stretch>
+        </p:blipFill>
+        <p:spPr>
+          <a:xfrm>
+            <a:off x="-46265" y="1280885"/>
+            <a:ext cx="5140779" cy="3848069"/>
+          </a:xfrm>
+          <a:prstGeom prst="rect">
+            <a:avLst/>
+          </a:prstGeom>
+        </p:spPr>
+      </p:pic>
+      <p:sp>
+        <p:nvSpPr>
+          <p:cNvPr id="6" name="文本框 5">
+            <a:extLst>
+              <a:ext uri="{FF2B5EF4-FFF2-40B4-BE49-F238E27FC236}">
+                <a16:creationId xmlns:a16="http://schemas.microsoft.com/office/drawing/2014/main" id="{CA4208FB-E430-ED48-B39D-9C5284088D48}"/>
+              </a:ext>
+            </a:extLst>
+          </p:cNvPr>
+          <p:cNvSpPr txBox="1"/>
+          <p:nvPr/>
+        </p:nvSpPr>
+        <p:spPr>
+          <a:xfrm>
+            <a:off x="187271" y="5766149"/>
+            <a:ext cx="5563127" cy="646331"/>
+          </a:xfrm>
+          <a:prstGeom prst="rect">
+            <a:avLst/>
+          </a:prstGeom>
+          <a:noFill/>
+        </p:spPr>
+        <p:txBody>
+          <a:bodyPr wrap="square" rtlCol="0">
+            <a:spAutoFit/>
+          </a:bodyPr>
+          <a:lstStyle/>
+          <a:p>
+            <a:r>
+              <a:rPr kumimoji="1" lang="en-US" altLang="zh-CN" dirty="0">
+                <a:latin typeface="Times New Roman" panose="02020603050405020304" pitchFamily="18" charset="0"/>
+                <a:cs typeface="Times New Roman" panose="02020603050405020304" pitchFamily="18" charset="0"/>
+              </a:rPr>
+              <a:t>Up to now, we only get the strange state. We expect it is a filled stripe when we add the chemical potential.</a:t>
+            </a:r>
+            <a:endParaRPr kumimoji="1" lang="zh-CN" altLang="en-US" dirty="0">
+              <a:latin typeface="Times New Roman" panose="02020603050405020304" pitchFamily="18" charset="0"/>
+              <a:cs typeface="Times New Roman" panose="02020603050405020304" pitchFamily="18" charset="0"/>
+            </a:endParaRPr>
+          </a:p>
+        </p:txBody>
+      </p:sp>
+      <p:pic>
+        <p:nvPicPr>
+          <p:cNvPr id="7" name="图片 6">
+            <a:extLst>
+              <a:ext uri="{FF2B5EF4-FFF2-40B4-BE49-F238E27FC236}">
+                <a16:creationId xmlns:a16="http://schemas.microsoft.com/office/drawing/2014/main" id="{12E4460E-D1E4-DB42-ABDB-3BF14AFEAF7A}"/>
+              </a:ext>
+            </a:extLst>
+          </p:cNvPr>
+          <p:cNvPicPr>
+            <a:picLocks noChangeAspect="1"/>
+          </p:cNvPicPr>
+          <p:nvPr/>
+        </p:nvPicPr>
+        <p:blipFill>
+          <a:blip r:embed="rId4"/>
+          <a:stretch>
+            <a:fillRect/>
+          </a:stretch>
+        </p:blipFill>
+        <p:spPr>
+          <a:xfrm>
+            <a:off x="5838372" y="1280885"/>
+            <a:ext cx="5656942" cy="3791680"/>
+          </a:xfrm>
+          <a:prstGeom prst="rect">
+            <a:avLst/>
+          </a:prstGeom>
+        </p:spPr>
+      </p:pic>
+      <mc:AlternateContent xmlns:mc="http://schemas.openxmlformats.org/markup-compatibility/2006" xmlns:a14="http://schemas.microsoft.com/office/drawing/2010/main">
+        <mc:Choice Requires="a14">
+          <p:sp>
+            <p:nvSpPr>
+              <p:cNvPr id="8" name="文本框 7">
+                <a:extLst>
+                  <a:ext uri="{FF2B5EF4-FFF2-40B4-BE49-F238E27FC236}">
+                    <a16:creationId xmlns:a16="http://schemas.microsoft.com/office/drawing/2014/main" id="{5E9FF4D6-816F-7F4C-AAD2-F70F9BCF78E3}"/>
+                  </a:ext>
+                </a:extLst>
+              </p:cNvPr>
+              <p:cNvSpPr txBox="1"/>
+              <p:nvPr/>
+            </p:nvSpPr>
+            <p:spPr>
+              <a:xfrm>
+                <a:off x="1938066" y="1877785"/>
+                <a:ext cx="1172116" cy="276999"/>
+              </a:xfrm>
+              <a:prstGeom prst="rect">
+                <a:avLst/>
+              </a:prstGeom>
+              <a:noFill/>
+            </p:spPr>
+            <p:txBody>
+              <a:bodyPr wrap="none" lIns="0" tIns="0" rIns="0" bIns="0" rtlCol="0">
+                <a:spAutoFit/>
+              </a:bodyPr>
+              <a:lstStyle/>
+              <a:p>
+                <a:pPr/>
+                <a14:m>
+                  <m:oMathPara xmlns:m="http://schemas.openxmlformats.org/officeDocument/2006/math">
+                    <m:oMathParaPr>
+                      <m:jc m:val="centerGroup"/>
+                    </m:oMathParaPr>
+                    <m:oMath xmlns:m="http://schemas.openxmlformats.org/officeDocument/2006/math">
+                      <m:r>
+                        <a:rPr kumimoji="1" lang="en-US" altLang="zh-CN" b="0" i="1" smtClean="0">
+                          <a:latin typeface="Cambria Math" panose="02040503050406030204" pitchFamily="18" charset="0"/>
+                        </a:rPr>
+                        <m:t>𝐷</m:t>
+                      </m:r>
+                      <m:r>
+                        <a:rPr kumimoji="1" lang="en-US" altLang="zh-CN" b="0" i="1" smtClean="0">
+                          <a:latin typeface="Cambria Math" panose="02040503050406030204" pitchFamily="18" charset="0"/>
+                        </a:rPr>
+                        <m:t>=14000</m:t>
+                      </m:r>
+                    </m:oMath>
+                  </m:oMathPara>
+                </a14:m>
+                <a:endParaRPr kumimoji="1" lang="zh-CN" altLang="en-US" dirty="0"/>
+              </a:p>
+            </p:txBody>
+          </p:sp>
+        </mc:Choice>
+        <mc:Fallback xmlns="">
+          <p:sp>
+            <p:nvSpPr>
+              <p:cNvPr id="8" name="文本框 7">
+                <a:extLst>
+                  <a:ext uri="{FF2B5EF4-FFF2-40B4-BE49-F238E27FC236}">
+                    <a16:creationId xmlns:a16="http://schemas.microsoft.com/office/drawing/2014/main" id="{5E9FF4D6-816F-7F4C-AAD2-F70F9BCF78E3}"/>
+                  </a:ext>
+                </a:extLst>
+              </p:cNvPr>
+              <p:cNvSpPr txBox="1">
+                <a:spLocks noRot="1" noChangeAspect="1" noMove="1" noResize="1" noEditPoints="1" noAdjustHandles="1" noChangeArrowheads="1" noChangeShapeType="1" noTextEdit="1"/>
+              </p:cNvSpPr>
+              <p:nvPr/>
+            </p:nvSpPr>
+            <p:spPr>
+              <a:xfrm>
+                <a:off x="1938066" y="1877785"/>
+                <a:ext cx="1172116" cy="276999"/>
+              </a:xfrm>
+              <a:prstGeom prst="rect">
+                <a:avLst/>
+              </a:prstGeom>
+              <a:blipFill>
+                <a:blip r:embed="rId5"/>
+                <a:stretch>
+                  <a:fillRect l="-3226" r="-4301" b="-4348"/>
+                </a:stretch>
+              </a:blipFill>
+            </p:spPr>
+            <p:txBody>
+              <a:bodyPr/>
+              <a:lstStyle/>
+              <a:p>
+                <a:r>
+                  <a:rPr lang="zh-CN" altLang="en-US">
+                    <a:noFill/>
+                  </a:rPr>
+                  <a:t> </a:t>
+                </a:r>
+              </a:p>
+            </p:txBody>
+          </p:sp>
+        </mc:Fallback>
+      </mc:AlternateContent>
+      <mc:AlternateContent xmlns:mc="http://schemas.openxmlformats.org/markup-compatibility/2006" xmlns:a14="http://schemas.microsoft.com/office/drawing/2010/main">
+        <mc:Choice Requires="a14">
+          <p:sp>
+            <p:nvSpPr>
+              <p:cNvPr id="9" name="文本框 8">
+                <a:extLst>
+                  <a:ext uri="{FF2B5EF4-FFF2-40B4-BE49-F238E27FC236}">
+                    <a16:creationId xmlns:a16="http://schemas.microsoft.com/office/drawing/2014/main" id="{C94233D9-67A9-A940-9833-390D02708FDE}"/>
+                  </a:ext>
+                </a:extLst>
+              </p:cNvPr>
+              <p:cNvSpPr txBox="1"/>
+              <p:nvPr/>
+            </p:nvSpPr>
+            <p:spPr>
+              <a:xfrm>
+                <a:off x="8080785" y="1868873"/>
+                <a:ext cx="1043876" cy="276999"/>
+              </a:xfrm>
+              <a:prstGeom prst="rect">
+                <a:avLst/>
+              </a:prstGeom>
+              <a:noFill/>
+            </p:spPr>
+            <p:txBody>
+              <a:bodyPr wrap="none" lIns="0" tIns="0" rIns="0" bIns="0" rtlCol="0">
+                <a:spAutoFit/>
+              </a:bodyPr>
+              <a:lstStyle/>
+              <a:p>
+                <a:pPr/>
+                <a14:m>
+                  <m:oMathPara xmlns:m="http://schemas.openxmlformats.org/officeDocument/2006/math">
+                    <m:oMathParaPr>
+                      <m:jc m:val="centerGroup"/>
+                    </m:oMathParaPr>
+                    <m:oMath xmlns:m="http://schemas.openxmlformats.org/officeDocument/2006/math">
+                      <m:r>
+                        <a:rPr kumimoji="1" lang="en-US" altLang="zh-CN" b="0" i="1" smtClean="0">
+                          <a:latin typeface="Cambria Math" panose="02040503050406030204" pitchFamily="18" charset="0"/>
+                        </a:rPr>
+                        <m:t>𝐷</m:t>
+                      </m:r>
+                      <m:r>
+                        <a:rPr kumimoji="1" lang="en-US" altLang="zh-CN" b="0" i="1" smtClean="0">
+                          <a:latin typeface="Cambria Math" panose="02040503050406030204" pitchFamily="18" charset="0"/>
+                        </a:rPr>
+                        <m:t>=7000</m:t>
+                      </m:r>
+                    </m:oMath>
+                  </m:oMathPara>
+                </a14:m>
+                <a:endParaRPr kumimoji="1" lang="zh-CN" altLang="en-US" dirty="0"/>
+              </a:p>
+            </p:txBody>
+          </p:sp>
+        </mc:Choice>
+        <mc:Fallback xmlns="">
+          <p:sp>
+            <p:nvSpPr>
+              <p:cNvPr id="9" name="文本框 8">
+                <a:extLst>
+                  <a:ext uri="{FF2B5EF4-FFF2-40B4-BE49-F238E27FC236}">
+                    <a16:creationId xmlns:a16="http://schemas.microsoft.com/office/drawing/2014/main" id="{C94233D9-67A9-A940-9833-390D02708FDE}"/>
+                  </a:ext>
+                </a:extLst>
+              </p:cNvPr>
+              <p:cNvSpPr txBox="1">
+                <a:spLocks noRot="1" noChangeAspect="1" noMove="1" noResize="1" noEditPoints="1" noAdjustHandles="1" noChangeArrowheads="1" noChangeShapeType="1" noTextEdit="1"/>
+              </p:cNvSpPr>
+              <p:nvPr/>
+            </p:nvSpPr>
+            <p:spPr>
+              <a:xfrm>
+                <a:off x="8080785" y="1868873"/>
+                <a:ext cx="1043876" cy="276999"/>
+              </a:xfrm>
+              <a:prstGeom prst="rect">
+                <a:avLst/>
+              </a:prstGeom>
+              <a:blipFill>
+                <a:blip r:embed="rId6"/>
+                <a:stretch>
+                  <a:fillRect l="-4819" r="-3614" b="-9091"/>
+                </a:stretch>
+              </a:blipFill>
+            </p:spPr>
+            <p:txBody>
+              <a:bodyPr/>
+              <a:lstStyle/>
+              <a:p>
+                <a:r>
+                  <a:rPr lang="zh-CN" altLang="en-US">
+                    <a:noFill/>
+                  </a:rPr>
+                  <a:t> </a:t>
+                </a:r>
+              </a:p>
+            </p:txBody>
+          </p:sp>
+        </mc:Fallback>
+      </mc:AlternateContent>
+      <mc:AlternateContent xmlns:mc="http://schemas.openxmlformats.org/markup-compatibility/2006" xmlns:a14="http://schemas.microsoft.com/office/drawing/2010/main">
+        <mc:Choice Requires="a14">
+          <p:sp>
+            <p:nvSpPr>
+              <p:cNvPr id="10" name="文本框 9">
+                <a:extLst>
+                  <a:ext uri="{FF2B5EF4-FFF2-40B4-BE49-F238E27FC236}">
+                    <a16:creationId xmlns:a16="http://schemas.microsoft.com/office/drawing/2014/main" id="{F0C994C8-8A6C-174A-97FE-057755EC8EAB}"/>
+                  </a:ext>
+                </a:extLst>
+              </p:cNvPr>
+              <p:cNvSpPr txBox="1"/>
+              <p:nvPr/>
+            </p:nvSpPr>
+            <p:spPr>
+              <a:xfrm>
+                <a:off x="1938066" y="5300116"/>
+                <a:ext cx="857222" cy="276999"/>
+              </a:xfrm>
+              <a:prstGeom prst="rect">
+                <a:avLst/>
+              </a:prstGeom>
+              <a:noFill/>
+            </p:spPr>
+            <p:txBody>
+              <a:bodyPr wrap="none" lIns="0" tIns="0" rIns="0" bIns="0" rtlCol="0">
+                <a:spAutoFit/>
+              </a:bodyPr>
+              <a:lstStyle/>
+              <a:p>
+                <a:pPr/>
+                <a14:m>
+                  <m:oMathPara xmlns:m="http://schemas.openxmlformats.org/officeDocument/2006/math">
+                    <m:oMathParaPr>
+                      <m:jc m:val="centerGroup"/>
+                    </m:oMathParaPr>
+                    <m:oMath xmlns:m="http://schemas.openxmlformats.org/officeDocument/2006/math">
+                      <m:sSub>
+                        <m:sSubPr>
+                          <m:ctrlPr>
+                            <a:rPr kumimoji="1" lang="en-US" altLang="zh-CN" b="0" i="1" smtClean="0">
+                              <a:latin typeface="Cambria Math" panose="02040503050406030204" pitchFamily="18" charset="0"/>
+                            </a:rPr>
+                          </m:ctrlPr>
+                        </m:sSubPr>
+                        <m:e>
+                          <m:r>
+                            <a:rPr kumimoji="1" lang="en-US" altLang="zh-CN" b="0" i="1" smtClean="0">
+                              <a:latin typeface="Cambria Math" panose="02040503050406030204" pitchFamily="18" charset="0"/>
+                            </a:rPr>
+                            <m:t>𝐿</m:t>
+                          </m:r>
+                        </m:e>
+                        <m:sub>
+                          <m:r>
+                            <a:rPr kumimoji="1" lang="en-US" altLang="zh-CN" b="0" i="1" smtClean="0">
+                              <a:latin typeface="Cambria Math" panose="02040503050406030204" pitchFamily="18" charset="0"/>
+                            </a:rPr>
+                            <m:t>𝑥</m:t>
+                          </m:r>
+                        </m:sub>
+                      </m:sSub>
+                      <m:r>
+                        <a:rPr kumimoji="1" lang="en-US" altLang="zh-CN" b="0" i="1" smtClean="0">
+                          <a:latin typeface="Cambria Math" panose="02040503050406030204" pitchFamily="18" charset="0"/>
+                        </a:rPr>
+                        <m:t>=32</m:t>
+                      </m:r>
+                    </m:oMath>
+                  </m:oMathPara>
+                </a14:m>
+                <a:endParaRPr kumimoji="1" lang="zh-CN" altLang="en-US" dirty="0"/>
+              </a:p>
+            </p:txBody>
+          </p:sp>
+        </mc:Choice>
+        <mc:Fallback xmlns="">
+          <p:sp>
+            <p:nvSpPr>
+              <p:cNvPr id="10" name="文本框 9">
+                <a:extLst>
+                  <a:ext uri="{FF2B5EF4-FFF2-40B4-BE49-F238E27FC236}">
+                    <a16:creationId xmlns:a16="http://schemas.microsoft.com/office/drawing/2014/main" id="{F0C994C8-8A6C-174A-97FE-057755EC8EAB}"/>
+                  </a:ext>
+                </a:extLst>
+              </p:cNvPr>
+              <p:cNvSpPr txBox="1">
+                <a:spLocks noRot="1" noChangeAspect="1" noMove="1" noResize="1" noEditPoints="1" noAdjustHandles="1" noChangeArrowheads="1" noChangeShapeType="1" noTextEdit="1"/>
+              </p:cNvSpPr>
+              <p:nvPr/>
+            </p:nvSpPr>
+            <p:spPr>
+              <a:xfrm>
+                <a:off x="1938066" y="5300116"/>
+                <a:ext cx="857222" cy="276999"/>
+              </a:xfrm>
+              <a:prstGeom prst="rect">
+                <a:avLst/>
+              </a:prstGeom>
+              <a:blipFill>
+                <a:blip r:embed="rId7"/>
+                <a:stretch>
+                  <a:fillRect l="-4348" r="-4348" b="-8696"/>
+                </a:stretch>
+              </a:blipFill>
+            </p:spPr>
+            <p:txBody>
+              <a:bodyPr/>
+              <a:lstStyle/>
+              <a:p>
+                <a:r>
+                  <a:rPr lang="zh-CN" altLang="en-US">
+                    <a:noFill/>
+                  </a:rPr>
+                  <a:t> </a:t>
+                </a:r>
+              </a:p>
+            </p:txBody>
+          </p:sp>
+        </mc:Fallback>
+      </mc:AlternateContent>
+      <mc:AlternateContent xmlns:mc="http://schemas.openxmlformats.org/markup-compatibility/2006" xmlns:a14="http://schemas.microsoft.com/office/drawing/2010/main">
+        <mc:Choice Requires="a14">
+          <p:sp>
+            <p:nvSpPr>
+              <p:cNvPr id="11" name="文本框 10">
+                <a:extLst>
+                  <a:ext uri="{FF2B5EF4-FFF2-40B4-BE49-F238E27FC236}">
+                    <a16:creationId xmlns:a16="http://schemas.microsoft.com/office/drawing/2014/main" id="{D3BB09BC-758C-F140-8D44-B1DB7301F686}"/>
+                  </a:ext>
+                </a:extLst>
+              </p:cNvPr>
+              <p:cNvSpPr txBox="1"/>
+              <p:nvPr/>
+            </p:nvSpPr>
+            <p:spPr>
+              <a:xfrm>
+                <a:off x="8409214" y="5300116"/>
+                <a:ext cx="857222" cy="276999"/>
+              </a:xfrm>
+              <a:prstGeom prst="rect">
+                <a:avLst/>
+              </a:prstGeom>
+              <a:noFill/>
+            </p:spPr>
+            <p:txBody>
+              <a:bodyPr wrap="none" lIns="0" tIns="0" rIns="0" bIns="0" rtlCol="0">
+                <a:spAutoFit/>
+              </a:bodyPr>
+              <a:lstStyle/>
+              <a:p>
+                <a:pPr/>
+                <a14:m>
+                  <m:oMathPara xmlns:m="http://schemas.openxmlformats.org/officeDocument/2006/math">
+                    <m:oMathParaPr>
+                      <m:jc m:val="centerGroup"/>
+                    </m:oMathParaPr>
+                    <m:oMath xmlns:m="http://schemas.openxmlformats.org/officeDocument/2006/math">
+                      <m:sSub>
+                        <m:sSubPr>
+                          <m:ctrlPr>
+                            <a:rPr kumimoji="1" lang="en-US" altLang="zh-CN" b="0" i="1" smtClean="0">
+                              <a:latin typeface="Cambria Math" panose="02040503050406030204" pitchFamily="18" charset="0"/>
+                            </a:rPr>
+                          </m:ctrlPr>
+                        </m:sSubPr>
+                        <m:e>
+                          <m:r>
+                            <a:rPr kumimoji="1" lang="en-US" altLang="zh-CN" b="0" i="1" smtClean="0">
+                              <a:latin typeface="Cambria Math" panose="02040503050406030204" pitchFamily="18" charset="0"/>
+                            </a:rPr>
+                            <m:t>𝐿</m:t>
+                          </m:r>
+                        </m:e>
+                        <m:sub>
+                          <m:r>
+                            <a:rPr kumimoji="1" lang="en-US" altLang="zh-CN" b="0" i="1" smtClean="0">
+                              <a:latin typeface="Cambria Math" panose="02040503050406030204" pitchFamily="18" charset="0"/>
+                            </a:rPr>
+                            <m:t>𝑥</m:t>
+                          </m:r>
+                        </m:sub>
+                      </m:sSub>
+                      <m:r>
+                        <a:rPr kumimoji="1" lang="en-US" altLang="zh-CN" b="0" i="1" smtClean="0">
+                          <a:latin typeface="Cambria Math" panose="02040503050406030204" pitchFamily="18" charset="0"/>
+                        </a:rPr>
+                        <m:t>=48</m:t>
+                      </m:r>
+                    </m:oMath>
+                  </m:oMathPara>
+                </a14:m>
+                <a:endParaRPr kumimoji="1" lang="zh-CN" altLang="en-US" dirty="0"/>
+              </a:p>
+            </p:txBody>
+          </p:sp>
+        </mc:Choice>
+        <mc:Fallback xmlns="">
+          <p:sp>
+            <p:nvSpPr>
+              <p:cNvPr id="11" name="文本框 10">
+                <a:extLst>
+                  <a:ext uri="{FF2B5EF4-FFF2-40B4-BE49-F238E27FC236}">
+                    <a16:creationId xmlns:a16="http://schemas.microsoft.com/office/drawing/2014/main" id="{D3BB09BC-758C-F140-8D44-B1DB7301F686}"/>
+                  </a:ext>
+                </a:extLst>
+              </p:cNvPr>
+              <p:cNvSpPr txBox="1">
+                <a:spLocks noRot="1" noChangeAspect="1" noMove="1" noResize="1" noEditPoints="1" noAdjustHandles="1" noChangeArrowheads="1" noChangeShapeType="1" noTextEdit="1"/>
+              </p:cNvSpPr>
+              <p:nvPr/>
+            </p:nvSpPr>
+            <p:spPr>
+              <a:xfrm>
+                <a:off x="8409214" y="5300116"/>
+                <a:ext cx="857222" cy="276999"/>
+              </a:xfrm>
+              <a:prstGeom prst="rect">
+                <a:avLst/>
+              </a:prstGeom>
+              <a:blipFill>
+                <a:blip r:embed="rId8"/>
+                <a:stretch>
+                  <a:fillRect l="-4348" r="-4348" b="-8696"/>
+                </a:stretch>
+              </a:blipFill>
+            </p:spPr>
+            <p:txBody>
+              <a:bodyPr/>
+              <a:lstStyle/>
+              <a:p>
+                <a:r>
+                  <a:rPr lang="zh-CN" altLang="en-US">
+                    <a:noFill/>
+                  </a:rPr>
+                  <a:t> </a:t>
+                </a:r>
+              </a:p>
+            </p:txBody>
+          </p:sp>
+        </mc:Fallback>
+      </mc:AlternateContent>
+    </p:spTree>
+    <p:extLst>
+      <p:ext uri="{BB962C8B-B14F-4D97-AF65-F5344CB8AC3E}">
+        <p14:creationId xmlns:p14="http://schemas.microsoft.com/office/powerpoint/2010/main" val="1215346427"/>
+      </p:ext>
+    </p:extLst>
+  </p:cSld>
+  <p:clrMapOvr>
+    <a:masterClrMapping/>
+  </p:clrMapOvr>
+</p:sld>
+</file>
+
 <file path=ppt/slides/slide2.xml><?xml version="1.0" encoding="utf-8"?>
 <p:sld xmlns:a="http://schemas.openxmlformats.org/drawingml/2006/main" xmlns:r="http://schemas.openxmlformats.org/officeDocument/2006/relationships" xmlns:p="http://schemas.openxmlformats.org/presentationml/2006/main">
   <p:cSld>
@@ -7921,7 +10167,7 @@
             </p:nvSpPr>
             <p:spPr>
               <a:xfrm>
-                <a:off x="9921850" y="1822071"/>
+                <a:off x="8865936" y="1822071"/>
                 <a:ext cx="827534" cy="555793"/>
               </a:xfrm>
               <a:prstGeom prst="rect">
@@ -8029,7 +10275,7 @@
             </p:nvSpPr>
             <p:spPr>
               <a:xfrm>
-                <a:off x="9921850" y="1822071"/>
+                <a:off x="8865936" y="1822071"/>
                 <a:ext cx="827534" cy="555793"/>
               </a:xfrm>
               <a:prstGeom prst="rect">
@@ -8038,7 +10284,7 @@
               <a:blipFill>
                 <a:blip r:embed="rId4"/>
                 <a:stretch>
-                  <a:fillRect l="-9091" r="-1515" b="-8889"/>
+                  <a:fillRect l="-7463" r="-1493" b="-8889"/>
                 </a:stretch>
               </a:blipFill>
             </p:spPr>
@@ -8073,7 +10319,7 @@
             </p:nvSpPr>
             <p:spPr>
               <a:xfrm>
-                <a:off x="4151659" y="2742668"/>
+                <a:off x="9865937" y="1802065"/>
                 <a:ext cx="1766894" cy="575799"/>
               </a:xfrm>
               <a:prstGeom prst="rect">
@@ -8192,7 +10438,7 @@
             </p:nvSpPr>
             <p:spPr>
               <a:xfrm>
-                <a:off x="4151659" y="2742668"/>
+                <a:off x="9865937" y="1802065"/>
                 <a:ext cx="1766894" cy="575799"/>
               </a:xfrm>
               <a:prstGeom prst="rect">
@@ -8201,7 +10447,7 @@
               <a:blipFill>
                 <a:blip r:embed="rId5"/>
                 <a:stretch>
-                  <a:fillRect l="-2128" t="-4348" r="-1418" b="-13043"/>
+                  <a:fillRect l="-2857" t="-4348" r="-2857" b="-13043"/>
                 </a:stretch>
               </a:blipFill>
             </p:spPr>
@@ -8220,6 +10466,36 @@
           </p:sp>
         </mc:Fallback>
       </mc:AlternateContent>
+      <p:pic>
+        <p:nvPicPr>
+          <p:cNvPr id="3" name="图片 2">
+            <a:extLst>
+              <a:ext uri="{FF2B5EF4-FFF2-40B4-BE49-F238E27FC236}">
+                <a16:creationId xmlns:a16="http://schemas.microsoft.com/office/drawing/2014/main" id="{EE130BF1-7E46-0146-8DAD-5DE21E328E59}"/>
+              </a:ext>
+            </a:extLst>
+          </p:cNvPr>
+          <p:cNvPicPr>
+            <a:picLocks noChangeAspect="1"/>
+          </p:cNvPicPr>
+          <p:nvPr/>
+        </p:nvPicPr>
+        <p:blipFill>
+          <a:blip r:embed="rId6"/>
+          <a:stretch>
+            <a:fillRect/>
+          </a:stretch>
+        </p:blipFill>
+        <p:spPr>
+          <a:xfrm>
+            <a:off x="375075" y="3182204"/>
+            <a:ext cx="4904496" cy="3360603"/>
+          </a:xfrm>
+          <a:prstGeom prst="rect">
+            <a:avLst/>
+          </a:prstGeom>
+        </p:spPr>
+      </p:pic>
       <mc:AlternateContent xmlns:mc="http://schemas.openxmlformats.org/markup-compatibility/2006" xmlns:a14="http://schemas.microsoft.com/office/drawing/2010/main">
         <mc:Choice Requires="a14">
           <p:sp>
@@ -8236,8 +10512,8 @@
             </p:nvSpPr>
             <p:spPr>
               <a:xfrm>
-                <a:off x="4151659" y="3770376"/>
-                <a:ext cx="990015" cy="307777"/>
+                <a:off x="1891736" y="3811677"/>
+                <a:ext cx="2067617" cy="307777"/>
               </a:xfrm>
               <a:prstGeom prst="rect">
                 <a:avLst/>
@@ -8267,7 +10543,19 @@
                         <a:rPr kumimoji="1" lang="en-US" altLang="zh-CN" sz="2000" b="0" i="1" smtClean="0">
                           <a:latin typeface="Cambria Math" panose="02040503050406030204" pitchFamily="18" charset="0"/>
                         </a:rPr>
-                        <m:t>=0.3?</m:t>
+                        <m:t>=0.3, </m:t>
+                      </m:r>
+                      <m:r>
+                        <a:rPr kumimoji="1" lang="en-US" altLang="zh-CN" sz="2000" b="0" i="1" smtClean="0">
+                          <a:latin typeface="Cambria Math" panose="02040503050406030204" pitchFamily="18" charset="0"/>
+                        </a:rPr>
+                        <m:t>𝐷</m:t>
+                      </m:r>
+                      <m:r>
+                        <a:rPr kumimoji="1" lang="en-US" altLang="zh-CN" sz="2000" b="0" i="1" smtClean="0">
+                          <a:latin typeface="Cambria Math" panose="02040503050406030204" pitchFamily="18" charset="0"/>
+                        </a:rPr>
+                        <m:t>=3000</m:t>
                       </m:r>
                     </m:oMath>
                   </m:oMathPara>
@@ -8294,16 +10582,160 @@
             </p:nvSpPr>
             <p:spPr>
               <a:xfrm>
-                <a:off x="4151659" y="3770376"/>
-                <a:ext cx="990015" cy="307777"/>
+                <a:off x="1891736" y="3811677"/>
+                <a:ext cx="2067617" cy="307777"/>
               </a:xfrm>
               <a:prstGeom prst="rect">
                 <a:avLst/>
               </a:prstGeom>
               <a:blipFill>
-                <a:blip r:embed="rId6"/>
+                <a:blip r:embed="rId7"/>
                 <a:stretch>
-                  <a:fillRect l="-5063" r="-5063" b="-8000"/>
+                  <a:fillRect l="-1829" r="-1829" b="-8000"/>
+                </a:stretch>
+              </a:blipFill>
+            </p:spPr>
+            <p:txBody>
+              <a:bodyPr/>
+              <a:lstStyle/>
+              <a:p>
+                <a:r>
+                  <a:rPr lang="zh-CN" altLang="en-US">
+                    <a:noFill/>
+                  </a:rPr>
+                  <a:t> </a:t>
+                </a:r>
+              </a:p>
+            </p:txBody>
+          </p:sp>
+        </mc:Fallback>
+      </mc:AlternateContent>
+      <p:pic>
+        <p:nvPicPr>
+          <p:cNvPr id="8" name="图片 7">
+            <a:extLst>
+              <a:ext uri="{FF2B5EF4-FFF2-40B4-BE49-F238E27FC236}">
+                <a16:creationId xmlns:a16="http://schemas.microsoft.com/office/drawing/2014/main" id="{826951A1-EAAD-D946-BB26-B231BDDD1592}"/>
+              </a:ext>
+            </a:extLst>
+          </p:cNvPr>
+          <p:cNvPicPr>
+            <a:picLocks noChangeAspect="1"/>
+          </p:cNvPicPr>
+          <p:nvPr/>
+        </p:nvPicPr>
+        <p:blipFill>
+          <a:blip r:embed="rId8"/>
+          <a:stretch>
+            <a:fillRect/>
+          </a:stretch>
+        </p:blipFill>
+        <p:spPr>
+          <a:xfrm>
+            <a:off x="6382770" y="3158647"/>
+            <a:ext cx="5316764" cy="3453508"/>
+          </a:xfrm>
+          <a:prstGeom prst="rect">
+            <a:avLst/>
+          </a:prstGeom>
+        </p:spPr>
+      </p:pic>
+      <mc:AlternateContent xmlns:mc="http://schemas.openxmlformats.org/markup-compatibility/2006" xmlns:a14="http://schemas.microsoft.com/office/drawing/2010/main">
+        <mc:Choice Requires="a14">
+          <p:sp>
+            <p:nvSpPr>
+              <p:cNvPr id="9" name="文本框 8">
+                <a:extLst>
+                  <a:ext uri="{FF2B5EF4-FFF2-40B4-BE49-F238E27FC236}">
+                    <a16:creationId xmlns:a16="http://schemas.microsoft.com/office/drawing/2014/main" id="{5A14238D-EF5C-3C49-AF69-5B6B4C05CF4C}"/>
+                  </a:ext>
+                </a:extLst>
+              </p:cNvPr>
+              <p:cNvSpPr txBox="1"/>
+              <p:nvPr/>
+            </p:nvSpPr>
+            <p:spPr>
+              <a:xfrm>
+                <a:off x="8170813" y="3811677"/>
+                <a:ext cx="2067617" cy="307777"/>
+              </a:xfrm>
+              <a:prstGeom prst="rect">
+                <a:avLst/>
+              </a:prstGeom>
+              <a:noFill/>
+            </p:spPr>
+            <p:txBody>
+              <a:bodyPr wrap="none" lIns="0" tIns="0" rIns="0" bIns="0" rtlCol="0">
+                <a:spAutoFit/>
+              </a:bodyPr>
+              <a:lstStyle/>
+              <a:p>
+                <a:pPr/>
+                <a14:m>
+                  <m:oMathPara xmlns:m="http://schemas.openxmlformats.org/officeDocument/2006/math">
+                    <m:oMathParaPr>
+                      <m:jc m:val="centerGroup"/>
+                    </m:oMathParaPr>
+                    <m:oMath xmlns:m="http://schemas.openxmlformats.org/officeDocument/2006/math">
+                      <m:r>
+                        <a:rPr kumimoji="1" lang="en-US" altLang="zh-CN" sz="2000" b="0" i="1" smtClean="0">
+                          <a:latin typeface="Cambria Math" panose="02040503050406030204" pitchFamily="18" charset="0"/>
+                        </a:rPr>
+                        <m:t>𝜆</m:t>
+                      </m:r>
+                      <m:r>
+                        <a:rPr kumimoji="1" lang="en-US" altLang="zh-CN" sz="2000" b="0" i="1" smtClean="0">
+                          <a:latin typeface="Cambria Math" panose="02040503050406030204" pitchFamily="18" charset="0"/>
+                        </a:rPr>
+                        <m:t>=0.4, </m:t>
+                      </m:r>
+                      <m:r>
+                        <a:rPr kumimoji="1" lang="en-US" altLang="zh-CN" sz="2000" b="0" i="1" smtClean="0">
+                          <a:latin typeface="Cambria Math" panose="02040503050406030204" pitchFamily="18" charset="0"/>
+                        </a:rPr>
+                        <m:t>𝐷</m:t>
+                      </m:r>
+                      <m:r>
+                        <a:rPr kumimoji="1" lang="en-US" altLang="zh-CN" sz="2000" b="0" i="1" smtClean="0">
+                          <a:latin typeface="Cambria Math" panose="02040503050406030204" pitchFamily="18" charset="0"/>
+                        </a:rPr>
+                        <m:t>=3000</m:t>
+                      </m:r>
+                    </m:oMath>
+                  </m:oMathPara>
+                </a14:m>
+                <a:endParaRPr kumimoji="1" lang="zh-CN" altLang="en-US" sz="2000" dirty="0"/>
+              </a:p>
+            </p:txBody>
+          </p:sp>
+        </mc:Choice>
+        <mc:Fallback xmlns="">
+          <p:sp>
+            <p:nvSpPr>
+              <p:cNvPr id="9" name="文本框 8">
+                <a:extLst>
+                  <a:ext uri="{FF2B5EF4-FFF2-40B4-BE49-F238E27FC236}">
+                    <a16:creationId xmlns:a16="http://schemas.microsoft.com/office/drawing/2014/main" id="{5A14238D-EF5C-3C49-AF69-5B6B4C05CF4C}"/>
+                  </a:ext>
+                </a:extLst>
+              </p:cNvPr>
+              <p:cNvSpPr txBox="1">
+                <a:spLocks noRot="1" noChangeAspect="1" noMove="1" noResize="1" noEditPoints="1" noAdjustHandles="1" noChangeArrowheads="1" noChangeShapeType="1" noTextEdit="1"/>
+              </p:cNvSpPr>
+              <p:nvPr/>
+            </p:nvSpPr>
+            <p:spPr>
+              <a:xfrm>
+                <a:off x="8170813" y="3811677"/>
+                <a:ext cx="2067617" cy="307777"/>
+              </a:xfrm>
+              <a:prstGeom prst="rect">
+                <a:avLst/>
+              </a:prstGeom>
+              <a:blipFill>
+                <a:blip r:embed="rId9"/>
+                <a:stretch>
+                  <a:fillRect l="-2439" r="-1829" b="-8000"/>
                 </a:stretch>
               </a:blipFill>
             </p:spPr>
